--- a/Legacy_Documents/01_08 Configure Locations.pptx
+++ b/Legacy_Documents/01_08 Configure Locations.pptx
@@ -1,20 +1,20 @@
 
 <file path=ppt/presentation.xml><?xml version="1.0" encoding="utf-8"?>
-<p:presentation xmlns:a="http://schemas.openxmlformats.org/drawingml/2006/main" xmlns:r="http://schemas.openxmlformats.org/officeDocument/2006/relationships" xmlns:mc="http://schemas.openxmlformats.org/markup-compatibility/2006" xmlns:mv="urn:schemas-microsoft-com:mac:vml" xmlns:p="http://schemas.openxmlformats.org/presentationml/2006/main" xmlns:c="http://schemas.openxmlformats.org/drawingml/2006/chart" xmlns:dgm="http://schemas.openxmlformats.org/drawingml/2006/diagram" xmlns:o="urn:schemas-microsoft-com:office:office" xmlns:v="urn:schemas-microsoft-com:vml" xmlns:pvml="urn:schemas-microsoft-com:office:powerpoint" xmlns:com="http://schemas.openxmlformats.org/drawingml/2006/compatibility" xmlns:p14="http://schemas.microsoft.com/office/powerpoint/2010/main" xmlns:p15="http://schemas.microsoft.com/office/powerpoint/2012/main" xmlns:ahyp="http://schemas.microsoft.com/office/drawing/2018/hyperlinkcolor" autoCompressPictures="0" strictFirstAndLastChars="0" saveSubsetFonts="1">
+<p:presentation xmlns:a="http://schemas.openxmlformats.org/drawingml/2006/main" xmlns:r="http://schemas.openxmlformats.org/officeDocument/2006/relationships" xmlns:p="http://schemas.openxmlformats.org/presentationml/2006/main" strictFirstAndLastChars="0" saveSubsetFonts="1" autoCompressPictures="0">
   <p:sldMasterIdLst>
-    <p:sldMasterId id="2147483659" r:id="rId4"/>
+    <p:sldMasterId id="2147483659" r:id="rId1"/>
   </p:sldMasterIdLst>
   <p:notesMasterIdLst>
-    <p:notesMasterId r:id="rId5"/>
+    <p:notesMasterId r:id="rId4"/>
   </p:notesMasterIdLst>
   <p:sldIdLst>
-    <p:sldId id="256" r:id="rId6"/>
-    <p:sldId id="257" r:id="rId7"/>
+    <p:sldId id="256" r:id="rId2"/>
+    <p:sldId id="257" r:id="rId3"/>
   </p:sldIdLst>
-  <p:sldSz cy="5143500" cx="9144000"/>
+  <p:sldSz cx="9144000" cy="5143500" type="screen16x9"/>
   <p:notesSz cx="6858000" cy="9144000"/>
   <p:defaultTextStyle>
-    <a:defPPr lvl="0" marR="0" rtl="0" algn="l">
+    <a:defPPr marR="0" lvl="0" algn="l" rtl="0">
       <a:lnSpc>
         <a:spcPct val="100000"/>
       </a:lnSpc>
@@ -25,7 +25,7 @@
         <a:spcPts val="0"/>
       </a:spcAft>
     </a:defPPr>
-    <a:lvl1pPr lvl="0" marR="0" rtl="0" algn="l">
+    <a:lvl1pPr marR="0" lvl="0" algn="l" rtl="0">
       <a:lnSpc>
         <a:spcPct val="100000"/>
       </a:lnSpc>
@@ -39,7 +39,7 @@
         <a:srgbClr val="000000"/>
       </a:buClr>
       <a:buFont typeface="Arial"/>
-      <a:defRPr b="0" i="0" sz="1400" u="none" cap="none" strike="noStrike">
+      <a:defRPr sz="1400" b="0" i="0" u="none" strike="noStrike" cap="none">
         <a:solidFill>
           <a:srgbClr val="000000"/>
         </a:solidFill>
@@ -49,7 +49,7 @@
         <a:sym typeface="Arial"/>
       </a:defRPr>
     </a:lvl1pPr>
-    <a:lvl2pPr lvl="1" marR="0" rtl="0" algn="l">
+    <a:lvl2pPr marR="0" lvl="1" algn="l" rtl="0">
       <a:lnSpc>
         <a:spcPct val="100000"/>
       </a:lnSpc>
@@ -63,7 +63,7 @@
         <a:srgbClr val="000000"/>
       </a:buClr>
       <a:buFont typeface="Arial"/>
-      <a:defRPr b="0" i="0" sz="1400" u="none" cap="none" strike="noStrike">
+      <a:defRPr sz="1400" b="0" i="0" u="none" strike="noStrike" cap="none">
         <a:solidFill>
           <a:srgbClr val="000000"/>
         </a:solidFill>
@@ -73,7 +73,7 @@
         <a:sym typeface="Arial"/>
       </a:defRPr>
     </a:lvl2pPr>
-    <a:lvl3pPr lvl="2" marR="0" rtl="0" algn="l">
+    <a:lvl3pPr marR="0" lvl="2" algn="l" rtl="0">
       <a:lnSpc>
         <a:spcPct val="100000"/>
       </a:lnSpc>
@@ -87,7 +87,7 @@
         <a:srgbClr val="000000"/>
       </a:buClr>
       <a:buFont typeface="Arial"/>
-      <a:defRPr b="0" i="0" sz="1400" u="none" cap="none" strike="noStrike">
+      <a:defRPr sz="1400" b="0" i="0" u="none" strike="noStrike" cap="none">
         <a:solidFill>
           <a:srgbClr val="000000"/>
         </a:solidFill>
@@ -97,7 +97,7 @@
         <a:sym typeface="Arial"/>
       </a:defRPr>
     </a:lvl3pPr>
-    <a:lvl4pPr lvl="3" marR="0" rtl="0" algn="l">
+    <a:lvl4pPr marR="0" lvl="3" algn="l" rtl="0">
       <a:lnSpc>
         <a:spcPct val="100000"/>
       </a:lnSpc>
@@ -111,7 +111,7 @@
         <a:srgbClr val="000000"/>
       </a:buClr>
       <a:buFont typeface="Arial"/>
-      <a:defRPr b="0" i="0" sz="1400" u="none" cap="none" strike="noStrike">
+      <a:defRPr sz="1400" b="0" i="0" u="none" strike="noStrike" cap="none">
         <a:solidFill>
           <a:srgbClr val="000000"/>
         </a:solidFill>
@@ -121,7 +121,7 @@
         <a:sym typeface="Arial"/>
       </a:defRPr>
     </a:lvl4pPr>
-    <a:lvl5pPr lvl="4" marR="0" rtl="0" algn="l">
+    <a:lvl5pPr marR="0" lvl="4" algn="l" rtl="0">
       <a:lnSpc>
         <a:spcPct val="100000"/>
       </a:lnSpc>
@@ -135,7 +135,7 @@
         <a:srgbClr val="000000"/>
       </a:buClr>
       <a:buFont typeface="Arial"/>
-      <a:defRPr b="0" i="0" sz="1400" u="none" cap="none" strike="noStrike">
+      <a:defRPr sz="1400" b="0" i="0" u="none" strike="noStrike" cap="none">
         <a:solidFill>
           <a:srgbClr val="000000"/>
         </a:solidFill>
@@ -145,7 +145,7 @@
         <a:sym typeface="Arial"/>
       </a:defRPr>
     </a:lvl5pPr>
-    <a:lvl6pPr lvl="5" marR="0" rtl="0" algn="l">
+    <a:lvl6pPr marR="0" lvl="5" algn="l" rtl="0">
       <a:lnSpc>
         <a:spcPct val="100000"/>
       </a:lnSpc>
@@ -159,7 +159,7 @@
         <a:srgbClr val="000000"/>
       </a:buClr>
       <a:buFont typeface="Arial"/>
-      <a:defRPr b="0" i="0" sz="1400" u="none" cap="none" strike="noStrike">
+      <a:defRPr sz="1400" b="0" i="0" u="none" strike="noStrike" cap="none">
         <a:solidFill>
           <a:srgbClr val="000000"/>
         </a:solidFill>
@@ -169,7 +169,7 @@
         <a:sym typeface="Arial"/>
       </a:defRPr>
     </a:lvl6pPr>
-    <a:lvl7pPr lvl="6" marR="0" rtl="0" algn="l">
+    <a:lvl7pPr marR="0" lvl="6" algn="l" rtl="0">
       <a:lnSpc>
         <a:spcPct val="100000"/>
       </a:lnSpc>
@@ -183,7 +183,7 @@
         <a:srgbClr val="000000"/>
       </a:buClr>
       <a:buFont typeface="Arial"/>
-      <a:defRPr b="0" i="0" sz="1400" u="none" cap="none" strike="noStrike">
+      <a:defRPr sz="1400" b="0" i="0" u="none" strike="noStrike" cap="none">
         <a:solidFill>
           <a:srgbClr val="000000"/>
         </a:solidFill>
@@ -193,7 +193,7 @@
         <a:sym typeface="Arial"/>
       </a:defRPr>
     </a:lvl7pPr>
-    <a:lvl8pPr lvl="7" marR="0" rtl="0" algn="l">
+    <a:lvl8pPr marR="0" lvl="7" algn="l" rtl="0">
       <a:lnSpc>
         <a:spcPct val="100000"/>
       </a:lnSpc>
@@ -207,7 +207,7 @@
         <a:srgbClr val="000000"/>
       </a:buClr>
       <a:buFont typeface="Arial"/>
-      <a:defRPr b="0" i="0" sz="1400" u="none" cap="none" strike="noStrike">
+      <a:defRPr sz="1400" b="0" i="0" u="none" strike="noStrike" cap="none">
         <a:solidFill>
           <a:srgbClr val="000000"/>
         </a:solidFill>
@@ -217,7 +217,7 @@
         <a:sym typeface="Arial"/>
       </a:defRPr>
     </a:lvl8pPr>
-    <a:lvl9pPr lvl="8" marR="0" rtl="0" algn="l">
+    <a:lvl9pPr marR="0" lvl="8" algn="l" rtl="0">
       <a:lnSpc>
         <a:spcPct val="100000"/>
       </a:lnSpc>
@@ -231,7 +231,7 @@
         <a:srgbClr val="000000"/>
       </a:buClr>
       <a:buFont typeface="Arial"/>
-      <a:defRPr b="0" i="0" sz="1400" u="none" cap="none" strike="noStrike">
+      <a:defRPr sz="1400" b="0" i="0" u="none" strike="noStrike" cap="none">
         <a:solidFill>
           <a:srgbClr val="000000"/>
         </a:solidFill>
@@ -244,7 +244,7 @@
   </p:defaultTextStyle>
   <p:extLst>
     <p:ext uri="{EFAFB233-063F-42B5-8137-9DF3F51BA10A}">
-      <p15:sldGuideLst>
+      <p15:sldGuideLst xmlns:p15="http://schemas.microsoft.com/office/powerpoint/2012/main">
         <p15:guide id="1" orient="horz" pos="1620">
           <p15:clr>
             <a:srgbClr val="A4A3A4"/>
@@ -262,11 +262,16 @@
 </file>
 
 <file path=ppt/notesMasters/notesMaster1.xml><?xml version="1.0" encoding="utf-8"?>
-<p:notesMaster xmlns:a="http://schemas.openxmlformats.org/drawingml/2006/main" xmlns:r="http://schemas.openxmlformats.org/officeDocument/2006/relationships" xmlns:mc="http://schemas.openxmlformats.org/markup-compatibility/2006" xmlns:mv="urn:schemas-microsoft-com:mac:vml" xmlns:p="http://schemas.openxmlformats.org/presentationml/2006/main" xmlns:c="http://schemas.openxmlformats.org/drawingml/2006/chart" xmlns:dgm="http://schemas.openxmlformats.org/drawingml/2006/diagram" xmlns:o="urn:schemas-microsoft-com:office:office" xmlns:v="urn:schemas-microsoft-com:vml" xmlns:pvml="urn:schemas-microsoft-com:office:powerpoint" xmlns:com="http://schemas.openxmlformats.org/drawingml/2006/compatibility" xmlns:p14="http://schemas.microsoft.com/office/powerpoint/2010/main" xmlns:p15="http://schemas.microsoft.com/office/powerpoint/2012/main" xmlns:ahyp="http://schemas.microsoft.com/office/drawing/2018/hyperlinkcolor">
+<p:notesMaster xmlns:a="http://schemas.openxmlformats.org/drawingml/2006/main" xmlns:r="http://schemas.openxmlformats.org/officeDocument/2006/relationships" xmlns:p="http://schemas.openxmlformats.org/presentationml/2006/main">
   <p:cSld>
+    <p:bg>
+      <p:bgRef idx="1001">
+        <a:schemeClr val="bg1"/>
+      </p:bgRef>
+    </p:bg>
     <p:spTree>
       <p:nvGrpSpPr>
-        <p:cNvPr id="2" name="Shape 2"/>
+        <p:cNvPr id="1" name="Shape 2"/>
         <p:cNvGrpSpPr/>
         <p:nvPr/>
       </p:nvGrpSpPr>
@@ -281,9 +286,11 @@
       <p:sp>
         <p:nvSpPr>
           <p:cNvPr id="3" name="Google Shape;3;n"/>
-          <p:cNvSpPr/>
+          <p:cNvSpPr>
+            <a:spLocks noGrp="1" noRot="1" noChangeAspect="1"/>
+          </p:cNvSpPr>
           <p:nvPr>
-            <p:ph idx="2" type="sldImg"/>
+            <p:ph type="sldImg" idx="2"/>
           </p:nvPr>
         </p:nvSpPr>
         <p:spPr>
@@ -292,9 +299,13 @@
             <a:ext cx="6096075" cy="3429000"/>
           </a:xfrm>
           <a:custGeom>
-            <a:rect b="b" l="l" r="r" t="t"/>
+            <a:avLst/>
+            <a:gdLst/>
+            <a:ahLst/>
+            <a:cxnLst/>
+            <a:rect l="l" t="t" r="r" b="b"/>
             <a:pathLst>
-              <a:path extrusionOk="0" h="120000" w="120000">
+              <a:path w="120000" h="120000" extrusionOk="0">
                 <a:moveTo>
                   <a:pt x="0" y="0"/>
                 </a:moveTo>
@@ -312,23 +323,25 @@
             </a:pathLst>
           </a:custGeom>
           <a:noFill/>
-          <a:ln cap="flat" cmpd="sng" w="9525">
+          <a:ln w="9525" cap="flat" cmpd="sng">
             <a:solidFill>
               <a:srgbClr val="000000"/>
             </a:solidFill>
             <a:prstDash val="solid"/>
             <a:round/>
-            <a:headEnd len="sm" w="sm" type="none"/>
-            <a:tailEnd len="sm" w="sm" type="none"/>
+            <a:headEnd type="none" w="sm" len="sm"/>
+            <a:tailEnd type="none" w="sm" len="sm"/>
           </a:ln>
         </p:spPr>
       </p:sp>
       <p:sp>
         <p:nvSpPr>
           <p:cNvPr id="4" name="Google Shape;4;n"/>
-          <p:cNvSpPr txBox="1"/>
+          <p:cNvSpPr txBox="1">
+            <a:spLocks noGrp="1"/>
+          </p:cNvSpPr>
           <p:nvPr>
-            <p:ph idx="1" type="body"/>
+            <p:ph type="body" idx="1"/>
           </p:nvPr>
         </p:nvSpPr>
         <p:spPr>
@@ -345,11 +358,11 @@
           </a:ln>
         </p:spPr>
         <p:txBody>
-          <a:bodyPr anchorCtr="0" anchor="t" bIns="91425" lIns="91425" spcFirstLastPara="1" rIns="91425" wrap="square" tIns="91425">
+          <a:bodyPr spcFirstLastPara="1" wrap="square" lIns="91425" tIns="91425" rIns="91425" bIns="91425" anchor="t" anchorCtr="0">
             <a:noAutofit/>
           </a:bodyPr>
           <a:lstStyle>
-            <a:lvl1pPr indent="-298450" lvl="0" marL="457200">
+            <a:lvl1pPr marL="457200" lvl="0" indent="-298450">
               <a:spcBef>
                 <a:spcPts val="0"/>
               </a:spcBef>
@@ -360,7 +373,7 @@
               <a:buChar char="●"/>
               <a:defRPr sz="1100"/>
             </a:lvl1pPr>
-            <a:lvl2pPr indent="-298450" lvl="1" marL="914400">
+            <a:lvl2pPr marL="914400" lvl="1" indent="-298450">
               <a:spcBef>
                 <a:spcPts val="0"/>
               </a:spcBef>
@@ -371,7 +384,7 @@
               <a:buChar char="○"/>
               <a:defRPr sz="1100"/>
             </a:lvl2pPr>
-            <a:lvl3pPr indent="-298450" lvl="2" marL="1371600">
+            <a:lvl3pPr marL="1371600" lvl="2" indent="-298450">
               <a:spcBef>
                 <a:spcPts val="0"/>
               </a:spcBef>
@@ -382,7 +395,7 @@
               <a:buChar char="■"/>
               <a:defRPr sz="1100"/>
             </a:lvl3pPr>
-            <a:lvl4pPr indent="-298450" lvl="3" marL="1828800">
+            <a:lvl4pPr marL="1828800" lvl="3" indent="-298450">
               <a:spcBef>
                 <a:spcPts val="0"/>
               </a:spcBef>
@@ -393,7 +406,7 @@
               <a:buChar char="●"/>
               <a:defRPr sz="1100"/>
             </a:lvl4pPr>
-            <a:lvl5pPr indent="-298450" lvl="4" marL="2286000">
+            <a:lvl5pPr marL="2286000" lvl="4" indent="-298450">
               <a:spcBef>
                 <a:spcPts val="0"/>
               </a:spcBef>
@@ -404,7 +417,7 @@
               <a:buChar char="○"/>
               <a:defRPr sz="1100"/>
             </a:lvl5pPr>
-            <a:lvl6pPr indent="-298450" lvl="5" marL="2743200">
+            <a:lvl6pPr marL="2743200" lvl="5" indent="-298450">
               <a:spcBef>
                 <a:spcPts val="0"/>
               </a:spcBef>
@@ -415,7 +428,7 @@
               <a:buChar char="■"/>
               <a:defRPr sz="1100"/>
             </a:lvl6pPr>
-            <a:lvl7pPr indent="-298450" lvl="6" marL="3200400">
+            <a:lvl7pPr marL="3200400" lvl="6" indent="-298450">
               <a:spcBef>
                 <a:spcPts val="0"/>
               </a:spcBef>
@@ -426,7 +439,7 @@
               <a:buChar char="●"/>
               <a:defRPr sz="1100"/>
             </a:lvl7pPr>
-            <a:lvl8pPr indent="-298450" lvl="7" marL="3657600">
+            <a:lvl8pPr marL="3657600" lvl="7" indent="-298450">
               <a:spcBef>
                 <a:spcPts val="0"/>
               </a:spcBef>
@@ -437,7 +450,7 @@
               <a:buChar char="○"/>
               <a:defRPr sz="1100"/>
             </a:lvl8pPr>
-            <a:lvl9pPr indent="-298450" lvl="8" marL="4114800">
+            <a:lvl9pPr marL="4114800" lvl="8" indent="-298450">
               <a:spcBef>
                 <a:spcPts val="0"/>
               </a:spcBef>
@@ -449,14 +462,16 @@
               <a:defRPr sz="1100"/>
             </a:lvl9pPr>
           </a:lstStyle>
-          <a:p/>
+          <a:p>
+            <a:endParaRPr/>
+          </a:p>
         </p:txBody>
       </p:sp>
     </p:spTree>
   </p:cSld>
-  <p:clrMap accent1="accent1" accent2="accent2" accent3="accent3" accent4="accent4" accent5="accent5" accent6="accent6" bg1="lt1" bg2="dk2" tx1="dk1" tx2="lt2" folHlink="folHlink" hlink="hlink"/>
+  <p:clrMap bg1="lt1" tx1="dk1" bg2="dk2" tx2="lt2" accent1="accent1" accent2="accent2" accent3="accent3" accent4="accent4" accent5="accent5" accent6="accent6" hlink="hlink" folHlink="folHlink"/>
   <p:notesStyle>
-    <a:defPPr lvl="0" marR="0" rtl="0" algn="l">
+    <a:defPPr marR="0" lvl="0" algn="l" rtl="0">
       <a:lnSpc>
         <a:spcPct val="100000"/>
       </a:lnSpc>
@@ -467,7 +482,7 @@
         <a:spcPts val="0"/>
       </a:spcAft>
     </a:defPPr>
-    <a:lvl1pPr lvl="0" marR="0" rtl="0" algn="l">
+    <a:lvl1pPr marR="0" lvl="0" algn="l" rtl="0">
       <a:lnSpc>
         <a:spcPct val="100000"/>
       </a:lnSpc>
@@ -481,7 +496,7 @@
         <a:srgbClr val="000000"/>
       </a:buClr>
       <a:buFont typeface="Arial"/>
-      <a:defRPr b="0" i="0" sz="1400" u="none" cap="none" strike="noStrike">
+      <a:defRPr sz="1400" b="0" i="0" u="none" strike="noStrike" cap="none">
         <a:solidFill>
           <a:srgbClr val="000000"/>
         </a:solidFill>
@@ -491,7 +506,7 @@
         <a:sym typeface="Arial"/>
       </a:defRPr>
     </a:lvl1pPr>
-    <a:lvl2pPr lvl="1" marR="0" rtl="0" algn="l">
+    <a:lvl2pPr marR="0" lvl="1" algn="l" rtl="0">
       <a:lnSpc>
         <a:spcPct val="100000"/>
       </a:lnSpc>
@@ -505,7 +520,7 @@
         <a:srgbClr val="000000"/>
       </a:buClr>
       <a:buFont typeface="Arial"/>
-      <a:defRPr b="0" i="0" sz="1400" u="none" cap="none" strike="noStrike">
+      <a:defRPr sz="1400" b="0" i="0" u="none" strike="noStrike" cap="none">
         <a:solidFill>
           <a:srgbClr val="000000"/>
         </a:solidFill>
@@ -515,7 +530,7 @@
         <a:sym typeface="Arial"/>
       </a:defRPr>
     </a:lvl2pPr>
-    <a:lvl3pPr lvl="2" marR="0" rtl="0" algn="l">
+    <a:lvl3pPr marR="0" lvl="2" algn="l" rtl="0">
       <a:lnSpc>
         <a:spcPct val="100000"/>
       </a:lnSpc>
@@ -529,7 +544,7 @@
         <a:srgbClr val="000000"/>
       </a:buClr>
       <a:buFont typeface="Arial"/>
-      <a:defRPr b="0" i="0" sz="1400" u="none" cap="none" strike="noStrike">
+      <a:defRPr sz="1400" b="0" i="0" u="none" strike="noStrike" cap="none">
         <a:solidFill>
           <a:srgbClr val="000000"/>
         </a:solidFill>
@@ -539,7 +554,7 @@
         <a:sym typeface="Arial"/>
       </a:defRPr>
     </a:lvl3pPr>
-    <a:lvl4pPr lvl="3" marR="0" rtl="0" algn="l">
+    <a:lvl4pPr marR="0" lvl="3" algn="l" rtl="0">
       <a:lnSpc>
         <a:spcPct val="100000"/>
       </a:lnSpc>
@@ -553,7 +568,7 @@
         <a:srgbClr val="000000"/>
       </a:buClr>
       <a:buFont typeface="Arial"/>
-      <a:defRPr b="0" i="0" sz="1400" u="none" cap="none" strike="noStrike">
+      <a:defRPr sz="1400" b="0" i="0" u="none" strike="noStrike" cap="none">
         <a:solidFill>
           <a:srgbClr val="000000"/>
         </a:solidFill>
@@ -563,7 +578,7 @@
         <a:sym typeface="Arial"/>
       </a:defRPr>
     </a:lvl4pPr>
-    <a:lvl5pPr lvl="4" marR="0" rtl="0" algn="l">
+    <a:lvl5pPr marR="0" lvl="4" algn="l" rtl="0">
       <a:lnSpc>
         <a:spcPct val="100000"/>
       </a:lnSpc>
@@ -577,7 +592,7 @@
         <a:srgbClr val="000000"/>
       </a:buClr>
       <a:buFont typeface="Arial"/>
-      <a:defRPr b="0" i="0" sz="1400" u="none" cap="none" strike="noStrike">
+      <a:defRPr sz="1400" b="0" i="0" u="none" strike="noStrike" cap="none">
         <a:solidFill>
           <a:srgbClr val="000000"/>
         </a:solidFill>
@@ -587,7 +602,7 @@
         <a:sym typeface="Arial"/>
       </a:defRPr>
     </a:lvl5pPr>
-    <a:lvl6pPr lvl="5" marR="0" rtl="0" algn="l">
+    <a:lvl6pPr marR="0" lvl="5" algn="l" rtl="0">
       <a:lnSpc>
         <a:spcPct val="100000"/>
       </a:lnSpc>
@@ -601,7 +616,7 @@
         <a:srgbClr val="000000"/>
       </a:buClr>
       <a:buFont typeface="Arial"/>
-      <a:defRPr b="0" i="0" sz="1400" u="none" cap="none" strike="noStrike">
+      <a:defRPr sz="1400" b="0" i="0" u="none" strike="noStrike" cap="none">
         <a:solidFill>
           <a:srgbClr val="000000"/>
         </a:solidFill>
@@ -611,7 +626,7 @@
         <a:sym typeface="Arial"/>
       </a:defRPr>
     </a:lvl6pPr>
-    <a:lvl7pPr lvl="6" marR="0" rtl="0" algn="l">
+    <a:lvl7pPr marR="0" lvl="6" algn="l" rtl="0">
       <a:lnSpc>
         <a:spcPct val="100000"/>
       </a:lnSpc>
@@ -625,7 +640,7 @@
         <a:srgbClr val="000000"/>
       </a:buClr>
       <a:buFont typeface="Arial"/>
-      <a:defRPr b="0" i="0" sz="1400" u="none" cap="none" strike="noStrike">
+      <a:defRPr sz="1400" b="0" i="0" u="none" strike="noStrike" cap="none">
         <a:solidFill>
           <a:srgbClr val="000000"/>
         </a:solidFill>
@@ -635,7 +650,7 @@
         <a:sym typeface="Arial"/>
       </a:defRPr>
     </a:lvl7pPr>
-    <a:lvl8pPr lvl="7" marR="0" rtl="0" algn="l">
+    <a:lvl8pPr marR="0" lvl="7" algn="l" rtl="0">
       <a:lnSpc>
         <a:spcPct val="100000"/>
       </a:lnSpc>
@@ -649,7 +664,7 @@
         <a:srgbClr val="000000"/>
       </a:buClr>
       <a:buFont typeface="Arial"/>
-      <a:defRPr b="0" i="0" sz="1400" u="none" cap="none" strike="noStrike">
+      <a:defRPr sz="1400" b="0" i="0" u="none" strike="noStrike" cap="none">
         <a:solidFill>
           <a:srgbClr val="000000"/>
         </a:solidFill>
@@ -659,7 +674,7 @@
         <a:sym typeface="Arial"/>
       </a:defRPr>
     </a:lvl8pPr>
-    <a:lvl9pPr lvl="8" marR="0" rtl="0" algn="l">
+    <a:lvl9pPr marR="0" lvl="8" algn="l" rtl="0">
       <a:lnSpc>
         <a:spcPct val="100000"/>
       </a:lnSpc>
@@ -673,7 +688,7 @@
         <a:srgbClr val="000000"/>
       </a:buClr>
       <a:buFont typeface="Arial"/>
-      <a:defRPr b="0" i="0" sz="1400" u="none" cap="none" strike="noStrike">
+      <a:defRPr sz="1400" b="0" i="0" u="none" strike="noStrike" cap="none">
         <a:solidFill>
           <a:srgbClr val="000000"/>
         </a:solidFill>
@@ -688,11 +703,11 @@
 </file>
 
 <file path=ppt/notesSlides/notesSlide1.xml><?xml version="1.0" encoding="utf-8"?>
-<p:notes xmlns:a="http://schemas.openxmlformats.org/drawingml/2006/main" xmlns:r="http://schemas.openxmlformats.org/officeDocument/2006/relationships" xmlns:mc="http://schemas.openxmlformats.org/markup-compatibility/2006" xmlns:mv="urn:schemas-microsoft-com:mac:vml" xmlns:p="http://schemas.openxmlformats.org/presentationml/2006/main" xmlns:c="http://schemas.openxmlformats.org/drawingml/2006/chart" xmlns:dgm="http://schemas.openxmlformats.org/drawingml/2006/diagram" xmlns:o="urn:schemas-microsoft-com:office:office" xmlns:v="urn:schemas-microsoft-com:vml" xmlns:pvml="urn:schemas-microsoft-com:office:powerpoint" xmlns:com="http://schemas.openxmlformats.org/drawingml/2006/compatibility" xmlns:p14="http://schemas.microsoft.com/office/powerpoint/2010/main" xmlns:p15="http://schemas.microsoft.com/office/powerpoint/2012/main" xmlns:ahyp="http://schemas.microsoft.com/office/drawing/2018/hyperlinkcolor" showMasterPhAnim="0" showMasterSp="0">
+<p:notes xmlns:a="http://schemas.openxmlformats.org/drawingml/2006/main" xmlns:r="http://schemas.openxmlformats.org/officeDocument/2006/relationships" xmlns:p="http://schemas.openxmlformats.org/presentationml/2006/main" showMasterSp="0" showMasterPhAnim="0">
   <p:cSld>
     <p:spTree>
       <p:nvGrpSpPr>
-        <p:cNvPr id="50" name="Shape 50"/>
+        <p:cNvPr id="1" name="Shape 50"/>
         <p:cNvGrpSpPr/>
         <p:nvPr/>
       </p:nvGrpSpPr>
@@ -707,9 +722,11 @@
       <p:sp>
         <p:nvSpPr>
           <p:cNvPr id="51" name="Google Shape;51;p:notes"/>
-          <p:cNvSpPr/>
+          <p:cNvSpPr>
+            <a:spLocks noGrp="1" noRot="1" noChangeAspect="1"/>
+          </p:cNvSpPr>
           <p:nvPr>
-            <p:ph idx="2" type="sldImg"/>
+            <p:ph type="sldImg" idx="2"/>
           </p:nvPr>
         </p:nvSpPr>
         <p:spPr>
@@ -718,9 +735,13 @@
             <a:ext cx="6096075" cy="3429000"/>
           </a:xfrm>
           <a:custGeom>
-            <a:rect b="b" l="l" r="r" t="t"/>
+            <a:avLst/>
+            <a:gdLst/>
+            <a:ahLst/>
+            <a:cxnLst/>
+            <a:rect l="l" t="t" r="r" b="b"/>
             <a:pathLst>
-              <a:path extrusionOk="0" h="120000" w="120000">
+              <a:path w="120000" h="120000" extrusionOk="0">
                 <a:moveTo>
                   <a:pt x="0" y="0"/>
                 </a:moveTo>
@@ -742,9 +763,11 @@
       <p:sp>
         <p:nvSpPr>
           <p:cNvPr id="52" name="Google Shape;52;p:notes"/>
-          <p:cNvSpPr txBox="1"/>
+          <p:cNvSpPr txBox="1">
+            <a:spLocks noGrp="1"/>
+          </p:cNvSpPr>
           <p:nvPr>
-            <p:ph idx="1" type="body"/>
+            <p:ph type="body" idx="1"/>
           </p:nvPr>
         </p:nvSpPr>
         <p:spPr>
@@ -757,12 +780,12 @@
           </a:prstGeom>
         </p:spPr>
         <p:txBody>
-          <a:bodyPr anchorCtr="0" anchor="t" bIns="91425" lIns="91425" spcFirstLastPara="1" rIns="91425" wrap="square" tIns="91425">
+          <a:bodyPr spcFirstLastPara="1" wrap="square" lIns="91425" tIns="91425" rIns="91425" bIns="91425" anchor="t" anchorCtr="0">
             <a:noAutofit/>
           </a:bodyPr>
           <a:lstStyle/>
           <a:p>
-            <a:pPr indent="0" lvl="0" marL="0" rtl="0" algn="l">
+            <a:pPr marL="0" lvl="0" indent="0" algn="l" rtl="0">
               <a:spcBef>
                 <a:spcPts val="0"/>
               </a:spcBef>
@@ -771,9 +794,6 @@
               </a:spcAft>
               <a:buNone/>
             </a:pPr>
-            <a:r>
-              <a:t/>
-            </a:r>
             <a:endParaRPr/>
           </a:p>
         </p:txBody>
@@ -787,11 +807,11 @@
 </file>
 
 <file path=ppt/notesSlides/notesSlide2.xml><?xml version="1.0" encoding="utf-8"?>
-<p:notes xmlns:a="http://schemas.openxmlformats.org/drawingml/2006/main" xmlns:r="http://schemas.openxmlformats.org/officeDocument/2006/relationships" xmlns:mc="http://schemas.openxmlformats.org/markup-compatibility/2006" xmlns:mv="urn:schemas-microsoft-com:mac:vml" xmlns:p="http://schemas.openxmlformats.org/presentationml/2006/main" xmlns:c="http://schemas.openxmlformats.org/drawingml/2006/chart" xmlns:dgm="http://schemas.openxmlformats.org/drawingml/2006/diagram" xmlns:o="urn:schemas-microsoft-com:office:office" xmlns:v="urn:schemas-microsoft-com:vml" xmlns:pvml="urn:schemas-microsoft-com:office:powerpoint" xmlns:com="http://schemas.openxmlformats.org/drawingml/2006/compatibility" xmlns:p14="http://schemas.microsoft.com/office/powerpoint/2010/main" xmlns:p15="http://schemas.microsoft.com/office/powerpoint/2012/main" xmlns:ahyp="http://schemas.microsoft.com/office/drawing/2018/hyperlinkcolor" showMasterPhAnim="0" showMasterSp="0">
+<p:notes xmlns:a="http://schemas.openxmlformats.org/drawingml/2006/main" xmlns:r="http://schemas.openxmlformats.org/officeDocument/2006/relationships" xmlns:p="http://schemas.openxmlformats.org/presentationml/2006/main" showMasterSp="0" showMasterPhAnim="0">
   <p:cSld>
     <p:spTree>
       <p:nvGrpSpPr>
-        <p:cNvPr id="56" name="Shape 56"/>
+        <p:cNvPr id="1" name="Shape 56"/>
         <p:cNvGrpSpPr/>
         <p:nvPr/>
       </p:nvGrpSpPr>
@@ -806,20 +826,26 @@
       <p:sp>
         <p:nvSpPr>
           <p:cNvPr id="57" name="Google Shape;57;g3c851bb363_0_46:notes"/>
-          <p:cNvSpPr/>
+          <p:cNvSpPr>
+            <a:spLocks noGrp="1" noRot="1" noChangeAspect="1"/>
+          </p:cNvSpPr>
           <p:nvPr>
-            <p:ph idx="2" type="sldImg"/>
+            <p:ph type="sldImg" idx="2"/>
           </p:nvPr>
         </p:nvSpPr>
         <p:spPr>
           <a:xfrm>
-            <a:off x="381300" y="685800"/>
+            <a:off x="381000" y="685800"/>
             <a:ext cx="6096000" cy="3429000"/>
           </a:xfrm>
           <a:custGeom>
-            <a:rect b="b" l="l" r="r" t="t"/>
+            <a:avLst/>
+            <a:gdLst/>
+            <a:ahLst/>
+            <a:cxnLst/>
+            <a:rect l="l" t="t" r="r" b="b"/>
             <a:pathLst>
-              <a:path extrusionOk="0" h="120000" w="120000">
+              <a:path w="120000" h="120000" extrusionOk="0">
                 <a:moveTo>
                   <a:pt x="0" y="0"/>
                 </a:moveTo>
@@ -841,9 +867,11 @@
       <p:sp>
         <p:nvSpPr>
           <p:cNvPr id="58" name="Google Shape;58;g3c851bb363_0_46:notes"/>
-          <p:cNvSpPr txBox="1"/>
+          <p:cNvSpPr txBox="1">
+            <a:spLocks noGrp="1"/>
+          </p:cNvSpPr>
           <p:nvPr>
-            <p:ph idx="1" type="body"/>
+            <p:ph type="body" idx="1"/>
           </p:nvPr>
         </p:nvSpPr>
         <p:spPr>
@@ -856,12 +884,12 @@
           </a:prstGeom>
         </p:spPr>
         <p:txBody>
-          <a:bodyPr anchorCtr="0" anchor="t" bIns="91425" lIns="91425" spcFirstLastPara="1" rIns="91425" wrap="square" tIns="91425">
+          <a:bodyPr spcFirstLastPara="1" wrap="square" lIns="91425" tIns="91425" rIns="91425" bIns="91425" anchor="t" anchorCtr="0">
             <a:noAutofit/>
           </a:bodyPr>
           <a:lstStyle/>
           <a:p>
-            <a:pPr indent="0" lvl="0" marL="0" rtl="0" algn="l">
+            <a:pPr marL="0" lvl="0" indent="0" algn="l" rtl="0">
               <a:spcBef>
                 <a:spcPts val="0"/>
               </a:spcBef>
@@ -870,9 +898,6 @@
               </a:spcAft>
               <a:buNone/>
             </a:pPr>
-            <a:r>
-              <a:t/>
-            </a:r>
             <a:endParaRPr/>
           </a:p>
         </p:txBody>
@@ -886,11 +911,11 @@
 </file>
 
 <file path=ppt/slideLayouts/slideLayout1.xml><?xml version="1.0" encoding="utf-8"?>
-<p:sldLayout xmlns:a="http://schemas.openxmlformats.org/drawingml/2006/main" xmlns:r="http://schemas.openxmlformats.org/officeDocument/2006/relationships" xmlns:mc="http://schemas.openxmlformats.org/markup-compatibility/2006" xmlns:mv="urn:schemas-microsoft-com:mac:vml" xmlns:p="http://schemas.openxmlformats.org/presentationml/2006/main" xmlns:c="http://schemas.openxmlformats.org/drawingml/2006/chart" xmlns:dgm="http://schemas.openxmlformats.org/drawingml/2006/diagram" xmlns:o="urn:schemas-microsoft-com:office:office" xmlns:v="urn:schemas-microsoft-com:vml" xmlns:pvml="urn:schemas-microsoft-com:office:powerpoint" xmlns:com="http://schemas.openxmlformats.org/drawingml/2006/compatibility" xmlns:p14="http://schemas.microsoft.com/office/powerpoint/2010/main" xmlns:p15="http://schemas.microsoft.com/office/powerpoint/2012/main" xmlns:ahyp="http://schemas.microsoft.com/office/drawing/2018/hyperlinkcolor" matchingName="Title slide" type="title">
+<p:sldLayout xmlns:a="http://schemas.openxmlformats.org/drawingml/2006/main" xmlns:r="http://schemas.openxmlformats.org/officeDocument/2006/relationships" xmlns:p="http://schemas.openxmlformats.org/presentationml/2006/main" matchingName="Title slide" type="title">
   <p:cSld name="TITLE">
     <p:spTree>
       <p:nvGrpSpPr>
-        <p:cNvPr id="9" name="Shape 9"/>
+        <p:cNvPr id="1" name="Shape 9"/>
         <p:cNvGrpSpPr/>
         <p:nvPr/>
       </p:nvGrpSpPr>
@@ -905,7 +930,9 @@
       <p:sp>
         <p:nvSpPr>
           <p:cNvPr id="10" name="Google Shape;10;p2"/>
-          <p:cNvSpPr txBox="1"/>
+          <p:cNvSpPr txBox="1">
+            <a:spLocks noGrp="1"/>
+          </p:cNvSpPr>
           <p:nvPr>
             <p:ph type="ctrTitle"/>
           </p:nvPr>
@@ -920,7 +947,7 @@
           </a:prstGeom>
         </p:spPr>
         <p:txBody>
-          <a:bodyPr anchorCtr="0" anchor="b" bIns="91425" lIns="91425" spcFirstLastPara="1" rIns="91425" wrap="square" tIns="91425">
+          <a:bodyPr spcFirstLastPara="1" wrap="square" lIns="91425" tIns="91425" rIns="91425" bIns="91425" anchor="b" anchorCtr="0">
             <a:noAutofit/>
           </a:bodyPr>
           <a:lstStyle>
@@ -1024,15 +1051,19 @@
               <a:defRPr sz="5200"/>
             </a:lvl9pPr>
           </a:lstStyle>
-          <a:p/>
+          <a:p>
+            <a:endParaRPr/>
+          </a:p>
         </p:txBody>
       </p:sp>
       <p:sp>
         <p:nvSpPr>
           <p:cNvPr id="11" name="Google Shape;11;p2"/>
-          <p:cNvSpPr txBox="1"/>
+          <p:cNvSpPr txBox="1">
+            <a:spLocks noGrp="1"/>
+          </p:cNvSpPr>
           <p:nvPr>
-            <p:ph idx="1" type="subTitle"/>
+            <p:ph type="subTitle" idx="1"/>
           </p:nvPr>
         </p:nvSpPr>
         <p:spPr>
@@ -1045,7 +1076,7 @@
           </a:prstGeom>
         </p:spPr>
         <p:txBody>
-          <a:bodyPr anchorCtr="0" anchor="t" bIns="91425" lIns="91425" spcFirstLastPara="1" rIns="91425" wrap="square" tIns="91425">
+          <a:bodyPr spcFirstLastPara="1" wrap="square" lIns="91425" tIns="91425" rIns="91425" bIns="91425" anchor="t" anchorCtr="0">
             <a:noAutofit/>
           </a:bodyPr>
           <a:lstStyle>
@@ -1176,15 +1207,19 @@
               <a:defRPr sz="2800"/>
             </a:lvl9pPr>
           </a:lstStyle>
-          <a:p/>
+          <a:p>
+            <a:endParaRPr/>
+          </a:p>
         </p:txBody>
       </p:sp>
       <p:sp>
         <p:nvSpPr>
           <p:cNvPr id="12" name="Google Shape;12;p2"/>
-          <p:cNvSpPr txBox="1"/>
+          <p:cNvSpPr txBox="1">
+            <a:spLocks noGrp="1"/>
+          </p:cNvSpPr>
           <p:nvPr>
-            <p:ph idx="12" type="sldNum"/>
+            <p:ph type="sldNum" idx="12"/>
           </p:nvPr>
         </p:nvSpPr>
         <p:spPr>
@@ -1197,7 +1232,7 @@
           </a:prstGeom>
         </p:spPr>
         <p:txBody>
-          <a:bodyPr anchorCtr="0" anchor="ctr" bIns="91425" lIns="91425" spcFirstLastPara="1" rIns="91425" wrap="square" tIns="91425">
+          <a:bodyPr spcFirstLastPara="1" wrap="square" lIns="91425" tIns="91425" rIns="91425" bIns="91425" anchor="ctr" anchorCtr="0">
             <a:noAutofit/>
           </a:bodyPr>
           <a:lstStyle>
@@ -1239,7 +1274,7 @@
             </a:lvl9pPr>
           </a:lstStyle>
           <a:p>
-            <a:pPr indent="0" lvl="0" marL="0" rtl="0" algn="r">
+            <a:pPr marL="0" lvl="0" indent="0" algn="r" rtl="0">
               <a:spcBef>
                 <a:spcPts val="0"/>
               </a:spcBef>
@@ -1265,11 +1300,11 @@
 </file>
 
 <file path=ppt/slideLayouts/slideLayout10.xml><?xml version="1.0" encoding="utf-8"?>
-<p:sldLayout xmlns:a="http://schemas.openxmlformats.org/drawingml/2006/main" xmlns:r="http://schemas.openxmlformats.org/officeDocument/2006/relationships" xmlns:mc="http://schemas.openxmlformats.org/markup-compatibility/2006" xmlns:mv="urn:schemas-microsoft-com:mac:vml" xmlns:p="http://schemas.openxmlformats.org/presentationml/2006/main" xmlns:c="http://schemas.openxmlformats.org/drawingml/2006/chart" xmlns:dgm="http://schemas.openxmlformats.org/drawingml/2006/diagram" xmlns:o="urn:schemas-microsoft-com:office:office" xmlns:v="urn:schemas-microsoft-com:vml" xmlns:pvml="urn:schemas-microsoft-com:office:powerpoint" xmlns:com="http://schemas.openxmlformats.org/drawingml/2006/compatibility" xmlns:p14="http://schemas.microsoft.com/office/powerpoint/2010/main" xmlns:p15="http://schemas.microsoft.com/office/powerpoint/2012/main" xmlns:ahyp="http://schemas.microsoft.com/office/drawing/2018/hyperlinkcolor" matchingName="Big number">
+<p:sldLayout xmlns:a="http://schemas.openxmlformats.org/drawingml/2006/main" xmlns:r="http://schemas.openxmlformats.org/officeDocument/2006/relationships" xmlns:p="http://schemas.openxmlformats.org/presentationml/2006/main" matchingName="Big number">
   <p:cSld name="BIG_NUMBER">
     <p:spTree>
       <p:nvGrpSpPr>
-        <p:cNvPr id="44" name="Shape 44"/>
+        <p:cNvPr id="1" name="Shape 44"/>
         <p:cNvGrpSpPr/>
         <p:nvPr/>
       </p:nvGrpSpPr>
@@ -1284,9 +1319,11 @@
       <p:sp>
         <p:nvSpPr>
           <p:cNvPr id="45" name="Google Shape;45;p11"/>
-          <p:cNvSpPr txBox="1"/>
+          <p:cNvSpPr txBox="1">
+            <a:spLocks noGrp="1"/>
+          </p:cNvSpPr>
           <p:nvPr>
-            <p:ph hasCustomPrompt="1" type="title"/>
+            <p:ph type="title" hasCustomPrompt="1"/>
           </p:nvPr>
         </p:nvSpPr>
         <p:spPr>
@@ -1299,7 +1336,7 @@
           </a:prstGeom>
         </p:spPr>
         <p:txBody>
-          <a:bodyPr anchorCtr="0" anchor="b" bIns="91425" lIns="91425" spcFirstLastPara="1" rIns="91425" wrap="square" tIns="91425">
+          <a:bodyPr spcFirstLastPara="1" wrap="square" lIns="91425" tIns="91425" rIns="91425" bIns="91425" anchor="b" anchorCtr="0">
             <a:noAutofit/>
           </a:bodyPr>
           <a:lstStyle>
@@ -1413,9 +1450,11 @@
       <p:sp>
         <p:nvSpPr>
           <p:cNvPr id="46" name="Google Shape;46;p11"/>
-          <p:cNvSpPr txBox="1"/>
+          <p:cNvSpPr txBox="1">
+            <a:spLocks noGrp="1"/>
+          </p:cNvSpPr>
           <p:nvPr>
-            <p:ph idx="1" type="body"/>
+            <p:ph type="body" idx="1"/>
           </p:nvPr>
         </p:nvSpPr>
         <p:spPr>
@@ -1428,11 +1467,11 @@
           </a:prstGeom>
         </p:spPr>
         <p:txBody>
-          <a:bodyPr anchorCtr="0" anchor="t" bIns="91425" lIns="91425" spcFirstLastPara="1" rIns="91425" wrap="square" tIns="91425">
+          <a:bodyPr spcFirstLastPara="1" wrap="square" lIns="91425" tIns="91425" rIns="91425" bIns="91425" anchor="t" anchorCtr="0">
             <a:noAutofit/>
           </a:bodyPr>
           <a:lstStyle>
-            <a:lvl1pPr indent="-342900" lvl="0" marL="457200" algn="ctr">
+            <a:lvl1pPr marL="457200" lvl="0" indent="-342900" algn="ctr">
               <a:spcBef>
                 <a:spcPts val="0"/>
               </a:spcBef>
@@ -1443,7 +1482,7 @@
               <a:buChar char="●"/>
               <a:defRPr/>
             </a:lvl1pPr>
-            <a:lvl2pPr indent="-317500" lvl="1" marL="914400" algn="ctr">
+            <a:lvl2pPr marL="914400" lvl="1" indent="-317500" algn="ctr">
               <a:spcBef>
                 <a:spcPts val="1600"/>
               </a:spcBef>
@@ -1454,7 +1493,7 @@
               <a:buChar char="○"/>
               <a:defRPr/>
             </a:lvl2pPr>
-            <a:lvl3pPr indent="-317500" lvl="2" marL="1371600" algn="ctr">
+            <a:lvl3pPr marL="1371600" lvl="2" indent="-317500" algn="ctr">
               <a:spcBef>
                 <a:spcPts val="1600"/>
               </a:spcBef>
@@ -1465,7 +1504,7 @@
               <a:buChar char="■"/>
               <a:defRPr/>
             </a:lvl3pPr>
-            <a:lvl4pPr indent="-317500" lvl="3" marL="1828800" algn="ctr">
+            <a:lvl4pPr marL="1828800" lvl="3" indent="-317500" algn="ctr">
               <a:spcBef>
                 <a:spcPts val="1600"/>
               </a:spcBef>
@@ -1476,7 +1515,7 @@
               <a:buChar char="●"/>
               <a:defRPr/>
             </a:lvl4pPr>
-            <a:lvl5pPr indent="-317500" lvl="4" marL="2286000" algn="ctr">
+            <a:lvl5pPr marL="2286000" lvl="4" indent="-317500" algn="ctr">
               <a:spcBef>
                 <a:spcPts val="1600"/>
               </a:spcBef>
@@ -1487,7 +1526,7 @@
               <a:buChar char="○"/>
               <a:defRPr/>
             </a:lvl5pPr>
-            <a:lvl6pPr indent="-317500" lvl="5" marL="2743200" algn="ctr">
+            <a:lvl6pPr marL="2743200" lvl="5" indent="-317500" algn="ctr">
               <a:spcBef>
                 <a:spcPts val="1600"/>
               </a:spcBef>
@@ -1498,7 +1537,7 @@
               <a:buChar char="■"/>
               <a:defRPr/>
             </a:lvl6pPr>
-            <a:lvl7pPr indent="-317500" lvl="6" marL="3200400" algn="ctr">
+            <a:lvl7pPr marL="3200400" lvl="6" indent="-317500" algn="ctr">
               <a:spcBef>
                 <a:spcPts val="1600"/>
               </a:spcBef>
@@ -1509,7 +1548,7 @@
               <a:buChar char="●"/>
               <a:defRPr/>
             </a:lvl7pPr>
-            <a:lvl8pPr indent="-317500" lvl="7" marL="3657600" algn="ctr">
+            <a:lvl8pPr marL="3657600" lvl="7" indent="-317500" algn="ctr">
               <a:spcBef>
                 <a:spcPts val="1600"/>
               </a:spcBef>
@@ -1520,7 +1559,7 @@
               <a:buChar char="○"/>
               <a:defRPr/>
             </a:lvl8pPr>
-            <a:lvl9pPr indent="-317500" lvl="8" marL="4114800" algn="ctr">
+            <a:lvl9pPr marL="4114800" lvl="8" indent="-317500" algn="ctr">
               <a:spcBef>
                 <a:spcPts val="1600"/>
               </a:spcBef>
@@ -1532,15 +1571,19 @@
               <a:defRPr/>
             </a:lvl9pPr>
           </a:lstStyle>
-          <a:p/>
+          <a:p>
+            <a:endParaRPr/>
+          </a:p>
         </p:txBody>
       </p:sp>
       <p:sp>
         <p:nvSpPr>
           <p:cNvPr id="47" name="Google Shape;47;p11"/>
-          <p:cNvSpPr txBox="1"/>
+          <p:cNvSpPr txBox="1">
+            <a:spLocks noGrp="1"/>
+          </p:cNvSpPr>
           <p:nvPr>
-            <p:ph idx="12" type="sldNum"/>
+            <p:ph type="sldNum" idx="12"/>
           </p:nvPr>
         </p:nvSpPr>
         <p:spPr>
@@ -1553,7 +1596,7 @@
           </a:prstGeom>
         </p:spPr>
         <p:txBody>
-          <a:bodyPr anchorCtr="0" anchor="ctr" bIns="91425" lIns="91425" spcFirstLastPara="1" rIns="91425" wrap="square" tIns="91425">
+          <a:bodyPr spcFirstLastPara="1" wrap="square" lIns="91425" tIns="91425" rIns="91425" bIns="91425" anchor="ctr" anchorCtr="0">
             <a:noAutofit/>
           </a:bodyPr>
           <a:lstStyle>
@@ -1595,7 +1638,7 @@
             </a:lvl9pPr>
           </a:lstStyle>
           <a:p>
-            <a:pPr indent="0" lvl="0" marL="0" rtl="0" algn="r">
+            <a:pPr marL="0" lvl="0" indent="0" algn="r" rtl="0">
               <a:spcBef>
                 <a:spcPts val="0"/>
               </a:spcBef>
@@ -1621,11 +1664,11 @@
 </file>
 
 <file path=ppt/slideLayouts/slideLayout11.xml><?xml version="1.0" encoding="utf-8"?>
-<p:sldLayout xmlns:a="http://schemas.openxmlformats.org/drawingml/2006/main" xmlns:r="http://schemas.openxmlformats.org/officeDocument/2006/relationships" xmlns:mc="http://schemas.openxmlformats.org/markup-compatibility/2006" xmlns:mv="urn:schemas-microsoft-com:mac:vml" xmlns:p="http://schemas.openxmlformats.org/presentationml/2006/main" xmlns:c="http://schemas.openxmlformats.org/drawingml/2006/chart" xmlns:dgm="http://schemas.openxmlformats.org/drawingml/2006/diagram" xmlns:o="urn:schemas-microsoft-com:office:office" xmlns:v="urn:schemas-microsoft-com:vml" xmlns:pvml="urn:schemas-microsoft-com:office:powerpoint" xmlns:com="http://schemas.openxmlformats.org/drawingml/2006/compatibility" xmlns:p14="http://schemas.microsoft.com/office/powerpoint/2010/main" xmlns:p15="http://schemas.microsoft.com/office/powerpoint/2012/main" xmlns:ahyp="http://schemas.microsoft.com/office/drawing/2018/hyperlinkcolor" matchingName="Blank" type="blank">
+<p:sldLayout xmlns:a="http://schemas.openxmlformats.org/drawingml/2006/main" xmlns:r="http://schemas.openxmlformats.org/officeDocument/2006/relationships" xmlns:p="http://schemas.openxmlformats.org/presentationml/2006/main" matchingName="Blank" type="blank">
   <p:cSld name="BLANK">
     <p:spTree>
       <p:nvGrpSpPr>
-        <p:cNvPr id="48" name="Shape 48"/>
+        <p:cNvPr id="1" name="Shape 48"/>
         <p:cNvGrpSpPr/>
         <p:nvPr/>
       </p:nvGrpSpPr>
@@ -1640,9 +1683,11 @@
       <p:sp>
         <p:nvSpPr>
           <p:cNvPr id="49" name="Google Shape;49;p12"/>
-          <p:cNvSpPr txBox="1"/>
+          <p:cNvSpPr txBox="1">
+            <a:spLocks noGrp="1"/>
+          </p:cNvSpPr>
           <p:nvPr>
-            <p:ph idx="12" type="sldNum"/>
+            <p:ph type="sldNum" idx="12"/>
           </p:nvPr>
         </p:nvSpPr>
         <p:spPr>
@@ -1655,7 +1700,7 @@
           </a:prstGeom>
         </p:spPr>
         <p:txBody>
-          <a:bodyPr anchorCtr="0" anchor="ctr" bIns="91425" lIns="91425" spcFirstLastPara="1" rIns="91425" wrap="square" tIns="91425">
+          <a:bodyPr spcFirstLastPara="1" wrap="square" lIns="91425" tIns="91425" rIns="91425" bIns="91425" anchor="ctr" anchorCtr="0">
             <a:noAutofit/>
           </a:bodyPr>
           <a:lstStyle>
@@ -1697,7 +1742,7 @@
             </a:lvl9pPr>
           </a:lstStyle>
           <a:p>
-            <a:pPr indent="0" lvl="0" marL="0" rtl="0" algn="r">
+            <a:pPr marL="0" lvl="0" indent="0" algn="r" rtl="0">
               <a:spcBef>
                 <a:spcPts val="0"/>
               </a:spcBef>
@@ -1723,11 +1768,11 @@
 </file>
 
 <file path=ppt/slideLayouts/slideLayout2.xml><?xml version="1.0" encoding="utf-8"?>
-<p:sldLayout xmlns:a="http://schemas.openxmlformats.org/drawingml/2006/main" xmlns:r="http://schemas.openxmlformats.org/officeDocument/2006/relationships" xmlns:mc="http://schemas.openxmlformats.org/markup-compatibility/2006" xmlns:mv="urn:schemas-microsoft-com:mac:vml" xmlns:p="http://schemas.openxmlformats.org/presentationml/2006/main" xmlns:c="http://schemas.openxmlformats.org/drawingml/2006/chart" xmlns:dgm="http://schemas.openxmlformats.org/drawingml/2006/diagram" xmlns:o="urn:schemas-microsoft-com:office:office" xmlns:v="urn:schemas-microsoft-com:vml" xmlns:pvml="urn:schemas-microsoft-com:office:powerpoint" xmlns:com="http://schemas.openxmlformats.org/drawingml/2006/compatibility" xmlns:p14="http://schemas.microsoft.com/office/powerpoint/2010/main" xmlns:p15="http://schemas.microsoft.com/office/powerpoint/2012/main" xmlns:ahyp="http://schemas.microsoft.com/office/drawing/2018/hyperlinkcolor" matchingName="Section header" type="secHead">
+<p:sldLayout xmlns:a="http://schemas.openxmlformats.org/drawingml/2006/main" xmlns:r="http://schemas.openxmlformats.org/officeDocument/2006/relationships" xmlns:p="http://schemas.openxmlformats.org/presentationml/2006/main" matchingName="Section header" type="secHead">
   <p:cSld name="SECTION_HEADER">
     <p:spTree>
       <p:nvGrpSpPr>
-        <p:cNvPr id="13" name="Shape 13"/>
+        <p:cNvPr id="1" name="Shape 13"/>
         <p:cNvGrpSpPr/>
         <p:nvPr/>
       </p:nvGrpSpPr>
@@ -1742,7 +1787,9 @@
       <p:sp>
         <p:nvSpPr>
           <p:cNvPr id="14" name="Google Shape;14;p3"/>
-          <p:cNvSpPr txBox="1"/>
+          <p:cNvSpPr txBox="1">
+            <a:spLocks noGrp="1"/>
+          </p:cNvSpPr>
           <p:nvPr>
             <p:ph type="title"/>
           </p:nvPr>
@@ -1757,7 +1804,7 @@
           </a:prstGeom>
         </p:spPr>
         <p:txBody>
-          <a:bodyPr anchorCtr="0" anchor="ctr" bIns="91425" lIns="91425" spcFirstLastPara="1" rIns="91425" wrap="square" tIns="91425">
+          <a:bodyPr spcFirstLastPara="1" wrap="square" lIns="91425" tIns="91425" rIns="91425" bIns="91425" anchor="ctr" anchorCtr="0">
             <a:noAutofit/>
           </a:bodyPr>
           <a:lstStyle>
@@ -1861,15 +1908,19 @@
               <a:defRPr sz="3600"/>
             </a:lvl9pPr>
           </a:lstStyle>
-          <a:p/>
+          <a:p>
+            <a:endParaRPr/>
+          </a:p>
         </p:txBody>
       </p:sp>
       <p:sp>
         <p:nvSpPr>
           <p:cNvPr id="15" name="Google Shape;15;p3"/>
-          <p:cNvSpPr txBox="1"/>
+          <p:cNvSpPr txBox="1">
+            <a:spLocks noGrp="1"/>
+          </p:cNvSpPr>
           <p:nvPr>
-            <p:ph idx="12" type="sldNum"/>
+            <p:ph type="sldNum" idx="12"/>
           </p:nvPr>
         </p:nvSpPr>
         <p:spPr>
@@ -1882,7 +1933,7 @@
           </a:prstGeom>
         </p:spPr>
         <p:txBody>
-          <a:bodyPr anchorCtr="0" anchor="ctr" bIns="91425" lIns="91425" spcFirstLastPara="1" rIns="91425" wrap="square" tIns="91425">
+          <a:bodyPr spcFirstLastPara="1" wrap="square" lIns="91425" tIns="91425" rIns="91425" bIns="91425" anchor="ctr" anchorCtr="0">
             <a:noAutofit/>
           </a:bodyPr>
           <a:lstStyle>
@@ -1924,7 +1975,7 @@
             </a:lvl9pPr>
           </a:lstStyle>
           <a:p>
-            <a:pPr indent="0" lvl="0" marL="0" rtl="0" algn="r">
+            <a:pPr marL="0" lvl="0" indent="0" algn="r" rtl="0">
               <a:spcBef>
                 <a:spcPts val="0"/>
               </a:spcBef>
@@ -1950,11 +2001,11 @@
 </file>
 
 <file path=ppt/slideLayouts/slideLayout3.xml><?xml version="1.0" encoding="utf-8"?>
-<p:sldLayout xmlns:a="http://schemas.openxmlformats.org/drawingml/2006/main" xmlns:r="http://schemas.openxmlformats.org/officeDocument/2006/relationships" xmlns:mc="http://schemas.openxmlformats.org/markup-compatibility/2006" xmlns:mv="urn:schemas-microsoft-com:mac:vml" xmlns:p="http://schemas.openxmlformats.org/presentationml/2006/main" xmlns:c="http://schemas.openxmlformats.org/drawingml/2006/chart" xmlns:dgm="http://schemas.openxmlformats.org/drawingml/2006/diagram" xmlns:o="urn:schemas-microsoft-com:office:office" xmlns:v="urn:schemas-microsoft-com:vml" xmlns:pvml="urn:schemas-microsoft-com:office:powerpoint" xmlns:com="http://schemas.openxmlformats.org/drawingml/2006/compatibility" xmlns:p14="http://schemas.microsoft.com/office/powerpoint/2010/main" xmlns:p15="http://schemas.microsoft.com/office/powerpoint/2012/main" xmlns:ahyp="http://schemas.microsoft.com/office/drawing/2018/hyperlinkcolor" matchingName="Title and body" type="tx">
+<p:sldLayout xmlns:a="http://schemas.openxmlformats.org/drawingml/2006/main" xmlns:r="http://schemas.openxmlformats.org/officeDocument/2006/relationships" xmlns:p="http://schemas.openxmlformats.org/presentationml/2006/main" matchingName="Title and body" type="tx">
   <p:cSld name="TITLE_AND_BODY">
     <p:spTree>
       <p:nvGrpSpPr>
-        <p:cNvPr id="16" name="Shape 16"/>
+        <p:cNvPr id="1" name="Shape 16"/>
         <p:cNvGrpSpPr/>
         <p:nvPr/>
       </p:nvGrpSpPr>
@@ -1969,7 +2020,9 @@
       <p:sp>
         <p:nvSpPr>
           <p:cNvPr id="17" name="Google Shape;17;p4"/>
-          <p:cNvSpPr txBox="1"/>
+          <p:cNvSpPr txBox="1">
+            <a:spLocks noGrp="1"/>
+          </p:cNvSpPr>
           <p:nvPr>
             <p:ph type="title"/>
           </p:nvPr>
@@ -1984,7 +2037,7 @@
           </a:prstGeom>
         </p:spPr>
         <p:txBody>
-          <a:bodyPr anchorCtr="0" anchor="t" bIns="91425" lIns="91425" spcFirstLastPara="1" rIns="91425" wrap="square" tIns="91425">
+          <a:bodyPr spcFirstLastPara="1" wrap="square" lIns="91425" tIns="91425" rIns="91425" bIns="91425" anchor="t" anchorCtr="0">
             <a:noAutofit/>
           </a:bodyPr>
           <a:lstStyle>
@@ -2088,15 +2141,19 @@
               <a:defRPr/>
             </a:lvl9pPr>
           </a:lstStyle>
-          <a:p/>
+          <a:p>
+            <a:endParaRPr/>
+          </a:p>
         </p:txBody>
       </p:sp>
       <p:sp>
         <p:nvSpPr>
           <p:cNvPr id="18" name="Google Shape;18;p4"/>
-          <p:cNvSpPr txBox="1"/>
+          <p:cNvSpPr txBox="1">
+            <a:spLocks noGrp="1"/>
+          </p:cNvSpPr>
           <p:nvPr>
-            <p:ph idx="1" type="body"/>
+            <p:ph type="body" idx="1"/>
           </p:nvPr>
         </p:nvSpPr>
         <p:spPr>
@@ -2109,11 +2166,11 @@
           </a:prstGeom>
         </p:spPr>
         <p:txBody>
-          <a:bodyPr anchorCtr="0" anchor="t" bIns="91425" lIns="91425" spcFirstLastPara="1" rIns="91425" wrap="square" tIns="91425">
+          <a:bodyPr spcFirstLastPara="1" wrap="square" lIns="91425" tIns="91425" rIns="91425" bIns="91425" anchor="t" anchorCtr="0">
             <a:noAutofit/>
           </a:bodyPr>
           <a:lstStyle>
-            <a:lvl1pPr indent="-342900" lvl="0" marL="457200">
+            <a:lvl1pPr marL="457200" lvl="0" indent="-342900">
               <a:spcBef>
                 <a:spcPts val="0"/>
               </a:spcBef>
@@ -2124,7 +2181,7 @@
               <a:buChar char="●"/>
               <a:defRPr/>
             </a:lvl1pPr>
-            <a:lvl2pPr indent="-317500" lvl="1" marL="914400">
+            <a:lvl2pPr marL="914400" lvl="1" indent="-317500">
               <a:spcBef>
                 <a:spcPts val="1600"/>
               </a:spcBef>
@@ -2135,7 +2192,7 @@
               <a:buChar char="○"/>
               <a:defRPr/>
             </a:lvl2pPr>
-            <a:lvl3pPr indent="-317500" lvl="2" marL="1371600">
+            <a:lvl3pPr marL="1371600" lvl="2" indent="-317500">
               <a:spcBef>
                 <a:spcPts val="1600"/>
               </a:spcBef>
@@ -2146,7 +2203,7 @@
               <a:buChar char="■"/>
               <a:defRPr/>
             </a:lvl3pPr>
-            <a:lvl4pPr indent="-317500" lvl="3" marL="1828800">
+            <a:lvl4pPr marL="1828800" lvl="3" indent="-317500">
               <a:spcBef>
                 <a:spcPts val="1600"/>
               </a:spcBef>
@@ -2157,7 +2214,7 @@
               <a:buChar char="●"/>
               <a:defRPr/>
             </a:lvl4pPr>
-            <a:lvl5pPr indent="-317500" lvl="4" marL="2286000">
+            <a:lvl5pPr marL="2286000" lvl="4" indent="-317500">
               <a:spcBef>
                 <a:spcPts val="1600"/>
               </a:spcBef>
@@ -2168,7 +2225,7 @@
               <a:buChar char="○"/>
               <a:defRPr/>
             </a:lvl5pPr>
-            <a:lvl6pPr indent="-317500" lvl="5" marL="2743200">
+            <a:lvl6pPr marL="2743200" lvl="5" indent="-317500">
               <a:spcBef>
                 <a:spcPts val="1600"/>
               </a:spcBef>
@@ -2179,7 +2236,7 @@
               <a:buChar char="■"/>
               <a:defRPr/>
             </a:lvl6pPr>
-            <a:lvl7pPr indent="-317500" lvl="6" marL="3200400">
+            <a:lvl7pPr marL="3200400" lvl="6" indent="-317500">
               <a:spcBef>
                 <a:spcPts val="1600"/>
               </a:spcBef>
@@ -2190,7 +2247,7 @@
               <a:buChar char="●"/>
               <a:defRPr/>
             </a:lvl7pPr>
-            <a:lvl8pPr indent="-317500" lvl="7" marL="3657600">
+            <a:lvl8pPr marL="3657600" lvl="7" indent="-317500">
               <a:spcBef>
                 <a:spcPts val="1600"/>
               </a:spcBef>
@@ -2201,7 +2258,7 @@
               <a:buChar char="○"/>
               <a:defRPr/>
             </a:lvl8pPr>
-            <a:lvl9pPr indent="-317500" lvl="8" marL="4114800">
+            <a:lvl9pPr marL="4114800" lvl="8" indent="-317500">
               <a:spcBef>
                 <a:spcPts val="1600"/>
               </a:spcBef>
@@ -2213,15 +2270,19 @@
               <a:defRPr/>
             </a:lvl9pPr>
           </a:lstStyle>
-          <a:p/>
+          <a:p>
+            <a:endParaRPr/>
+          </a:p>
         </p:txBody>
       </p:sp>
       <p:sp>
         <p:nvSpPr>
           <p:cNvPr id="19" name="Google Shape;19;p4"/>
-          <p:cNvSpPr txBox="1"/>
+          <p:cNvSpPr txBox="1">
+            <a:spLocks noGrp="1"/>
+          </p:cNvSpPr>
           <p:nvPr>
-            <p:ph idx="12" type="sldNum"/>
+            <p:ph type="sldNum" idx="12"/>
           </p:nvPr>
         </p:nvSpPr>
         <p:spPr>
@@ -2234,7 +2295,7 @@
           </a:prstGeom>
         </p:spPr>
         <p:txBody>
-          <a:bodyPr anchorCtr="0" anchor="ctr" bIns="91425" lIns="91425" spcFirstLastPara="1" rIns="91425" wrap="square" tIns="91425">
+          <a:bodyPr spcFirstLastPara="1" wrap="square" lIns="91425" tIns="91425" rIns="91425" bIns="91425" anchor="ctr" anchorCtr="0">
             <a:noAutofit/>
           </a:bodyPr>
           <a:lstStyle>
@@ -2276,7 +2337,7 @@
             </a:lvl9pPr>
           </a:lstStyle>
           <a:p>
-            <a:pPr indent="0" lvl="0" marL="0" rtl="0" algn="r">
+            <a:pPr marL="0" lvl="0" indent="0" algn="r" rtl="0">
               <a:spcBef>
                 <a:spcPts val="0"/>
               </a:spcBef>
@@ -2302,11 +2363,11 @@
 </file>
 
 <file path=ppt/slideLayouts/slideLayout4.xml><?xml version="1.0" encoding="utf-8"?>
-<p:sldLayout xmlns:a="http://schemas.openxmlformats.org/drawingml/2006/main" xmlns:r="http://schemas.openxmlformats.org/officeDocument/2006/relationships" xmlns:mc="http://schemas.openxmlformats.org/markup-compatibility/2006" xmlns:mv="urn:schemas-microsoft-com:mac:vml" xmlns:p="http://schemas.openxmlformats.org/presentationml/2006/main" xmlns:c="http://schemas.openxmlformats.org/drawingml/2006/chart" xmlns:dgm="http://schemas.openxmlformats.org/drawingml/2006/diagram" xmlns:o="urn:schemas-microsoft-com:office:office" xmlns:v="urn:schemas-microsoft-com:vml" xmlns:pvml="urn:schemas-microsoft-com:office:powerpoint" xmlns:com="http://schemas.openxmlformats.org/drawingml/2006/compatibility" xmlns:p14="http://schemas.microsoft.com/office/powerpoint/2010/main" xmlns:p15="http://schemas.microsoft.com/office/powerpoint/2012/main" xmlns:ahyp="http://schemas.microsoft.com/office/drawing/2018/hyperlinkcolor" matchingName="Title and two columns" type="twoColTx">
+<p:sldLayout xmlns:a="http://schemas.openxmlformats.org/drawingml/2006/main" xmlns:r="http://schemas.openxmlformats.org/officeDocument/2006/relationships" xmlns:p="http://schemas.openxmlformats.org/presentationml/2006/main" matchingName="Title and two columns" type="twoColTx">
   <p:cSld name="TITLE_AND_TWO_COLUMNS">
     <p:spTree>
       <p:nvGrpSpPr>
-        <p:cNvPr id="20" name="Shape 20"/>
+        <p:cNvPr id="1" name="Shape 20"/>
         <p:cNvGrpSpPr/>
         <p:nvPr/>
       </p:nvGrpSpPr>
@@ -2321,7 +2382,9 @@
       <p:sp>
         <p:nvSpPr>
           <p:cNvPr id="21" name="Google Shape;21;p5"/>
-          <p:cNvSpPr txBox="1"/>
+          <p:cNvSpPr txBox="1">
+            <a:spLocks noGrp="1"/>
+          </p:cNvSpPr>
           <p:nvPr>
             <p:ph type="title"/>
           </p:nvPr>
@@ -2336,7 +2399,7 @@
           </a:prstGeom>
         </p:spPr>
         <p:txBody>
-          <a:bodyPr anchorCtr="0" anchor="t" bIns="91425" lIns="91425" spcFirstLastPara="1" rIns="91425" wrap="square" tIns="91425">
+          <a:bodyPr spcFirstLastPara="1" wrap="square" lIns="91425" tIns="91425" rIns="91425" bIns="91425" anchor="t" anchorCtr="0">
             <a:noAutofit/>
           </a:bodyPr>
           <a:lstStyle>
@@ -2440,15 +2503,19 @@
               <a:defRPr/>
             </a:lvl9pPr>
           </a:lstStyle>
-          <a:p/>
+          <a:p>
+            <a:endParaRPr/>
+          </a:p>
         </p:txBody>
       </p:sp>
       <p:sp>
         <p:nvSpPr>
           <p:cNvPr id="22" name="Google Shape;22;p5"/>
-          <p:cNvSpPr txBox="1"/>
+          <p:cNvSpPr txBox="1">
+            <a:spLocks noGrp="1"/>
+          </p:cNvSpPr>
           <p:nvPr>
-            <p:ph idx="1" type="body"/>
+            <p:ph type="body" idx="1"/>
           </p:nvPr>
         </p:nvSpPr>
         <p:spPr>
@@ -2461,11 +2528,11 @@
           </a:prstGeom>
         </p:spPr>
         <p:txBody>
-          <a:bodyPr anchorCtr="0" anchor="t" bIns="91425" lIns="91425" spcFirstLastPara="1" rIns="91425" wrap="square" tIns="91425">
+          <a:bodyPr spcFirstLastPara="1" wrap="square" lIns="91425" tIns="91425" rIns="91425" bIns="91425" anchor="t" anchorCtr="0">
             <a:noAutofit/>
           </a:bodyPr>
           <a:lstStyle>
-            <a:lvl1pPr indent="-317500" lvl="0" marL="457200">
+            <a:lvl1pPr marL="457200" lvl="0" indent="-317500">
               <a:spcBef>
                 <a:spcPts val="0"/>
               </a:spcBef>
@@ -2476,7 +2543,7 @@
               <a:buChar char="●"/>
               <a:defRPr sz="1400"/>
             </a:lvl1pPr>
-            <a:lvl2pPr indent="-304800" lvl="1" marL="914400">
+            <a:lvl2pPr marL="914400" lvl="1" indent="-304800">
               <a:spcBef>
                 <a:spcPts val="1600"/>
               </a:spcBef>
@@ -2487,7 +2554,7 @@
               <a:buChar char="○"/>
               <a:defRPr sz="1200"/>
             </a:lvl2pPr>
-            <a:lvl3pPr indent="-304800" lvl="2" marL="1371600">
+            <a:lvl3pPr marL="1371600" lvl="2" indent="-304800">
               <a:spcBef>
                 <a:spcPts val="1600"/>
               </a:spcBef>
@@ -2498,7 +2565,7 @@
               <a:buChar char="■"/>
               <a:defRPr sz="1200"/>
             </a:lvl3pPr>
-            <a:lvl4pPr indent="-304800" lvl="3" marL="1828800">
+            <a:lvl4pPr marL="1828800" lvl="3" indent="-304800">
               <a:spcBef>
                 <a:spcPts val="1600"/>
               </a:spcBef>
@@ -2509,7 +2576,7 @@
               <a:buChar char="●"/>
               <a:defRPr sz="1200"/>
             </a:lvl4pPr>
-            <a:lvl5pPr indent="-304800" lvl="4" marL="2286000">
+            <a:lvl5pPr marL="2286000" lvl="4" indent="-304800">
               <a:spcBef>
                 <a:spcPts val="1600"/>
               </a:spcBef>
@@ -2520,7 +2587,7 @@
               <a:buChar char="○"/>
               <a:defRPr sz="1200"/>
             </a:lvl5pPr>
-            <a:lvl6pPr indent="-304800" lvl="5" marL="2743200">
+            <a:lvl6pPr marL="2743200" lvl="5" indent="-304800">
               <a:spcBef>
                 <a:spcPts val="1600"/>
               </a:spcBef>
@@ -2531,7 +2598,7 @@
               <a:buChar char="■"/>
               <a:defRPr sz="1200"/>
             </a:lvl6pPr>
-            <a:lvl7pPr indent="-304800" lvl="6" marL="3200400">
+            <a:lvl7pPr marL="3200400" lvl="6" indent="-304800">
               <a:spcBef>
                 <a:spcPts val="1600"/>
               </a:spcBef>
@@ -2542,7 +2609,7 @@
               <a:buChar char="●"/>
               <a:defRPr sz="1200"/>
             </a:lvl7pPr>
-            <a:lvl8pPr indent="-304800" lvl="7" marL="3657600">
+            <a:lvl8pPr marL="3657600" lvl="7" indent="-304800">
               <a:spcBef>
                 <a:spcPts val="1600"/>
               </a:spcBef>
@@ -2553,7 +2620,7 @@
               <a:buChar char="○"/>
               <a:defRPr sz="1200"/>
             </a:lvl8pPr>
-            <a:lvl9pPr indent="-304800" lvl="8" marL="4114800">
+            <a:lvl9pPr marL="4114800" lvl="8" indent="-304800">
               <a:spcBef>
                 <a:spcPts val="1600"/>
               </a:spcBef>
@@ -2565,15 +2632,19 @@
               <a:defRPr sz="1200"/>
             </a:lvl9pPr>
           </a:lstStyle>
-          <a:p/>
+          <a:p>
+            <a:endParaRPr/>
+          </a:p>
         </p:txBody>
       </p:sp>
       <p:sp>
         <p:nvSpPr>
           <p:cNvPr id="23" name="Google Shape;23;p5"/>
-          <p:cNvSpPr txBox="1"/>
+          <p:cNvSpPr txBox="1">
+            <a:spLocks noGrp="1"/>
+          </p:cNvSpPr>
           <p:nvPr>
-            <p:ph idx="2" type="body"/>
+            <p:ph type="body" idx="2"/>
           </p:nvPr>
         </p:nvSpPr>
         <p:spPr>
@@ -2586,11 +2657,11 @@
           </a:prstGeom>
         </p:spPr>
         <p:txBody>
-          <a:bodyPr anchorCtr="0" anchor="t" bIns="91425" lIns="91425" spcFirstLastPara="1" rIns="91425" wrap="square" tIns="91425">
+          <a:bodyPr spcFirstLastPara="1" wrap="square" lIns="91425" tIns="91425" rIns="91425" bIns="91425" anchor="t" anchorCtr="0">
             <a:noAutofit/>
           </a:bodyPr>
           <a:lstStyle>
-            <a:lvl1pPr indent="-317500" lvl="0" marL="457200">
+            <a:lvl1pPr marL="457200" lvl="0" indent="-317500">
               <a:spcBef>
                 <a:spcPts val="0"/>
               </a:spcBef>
@@ -2601,7 +2672,7 @@
               <a:buChar char="●"/>
               <a:defRPr sz="1400"/>
             </a:lvl1pPr>
-            <a:lvl2pPr indent="-304800" lvl="1" marL="914400">
+            <a:lvl2pPr marL="914400" lvl="1" indent="-304800">
               <a:spcBef>
                 <a:spcPts val="1600"/>
               </a:spcBef>
@@ -2612,7 +2683,7 @@
               <a:buChar char="○"/>
               <a:defRPr sz="1200"/>
             </a:lvl2pPr>
-            <a:lvl3pPr indent="-304800" lvl="2" marL="1371600">
+            <a:lvl3pPr marL="1371600" lvl="2" indent="-304800">
               <a:spcBef>
                 <a:spcPts val="1600"/>
               </a:spcBef>
@@ -2623,7 +2694,7 @@
               <a:buChar char="■"/>
               <a:defRPr sz="1200"/>
             </a:lvl3pPr>
-            <a:lvl4pPr indent="-304800" lvl="3" marL="1828800">
+            <a:lvl4pPr marL="1828800" lvl="3" indent="-304800">
               <a:spcBef>
                 <a:spcPts val="1600"/>
               </a:spcBef>
@@ -2634,7 +2705,7 @@
               <a:buChar char="●"/>
               <a:defRPr sz="1200"/>
             </a:lvl4pPr>
-            <a:lvl5pPr indent="-304800" lvl="4" marL="2286000">
+            <a:lvl5pPr marL="2286000" lvl="4" indent="-304800">
               <a:spcBef>
                 <a:spcPts val="1600"/>
               </a:spcBef>
@@ -2645,7 +2716,7 @@
               <a:buChar char="○"/>
               <a:defRPr sz="1200"/>
             </a:lvl5pPr>
-            <a:lvl6pPr indent="-304800" lvl="5" marL="2743200">
+            <a:lvl6pPr marL="2743200" lvl="5" indent="-304800">
               <a:spcBef>
                 <a:spcPts val="1600"/>
               </a:spcBef>
@@ -2656,7 +2727,7 @@
               <a:buChar char="■"/>
               <a:defRPr sz="1200"/>
             </a:lvl6pPr>
-            <a:lvl7pPr indent="-304800" lvl="6" marL="3200400">
+            <a:lvl7pPr marL="3200400" lvl="6" indent="-304800">
               <a:spcBef>
                 <a:spcPts val="1600"/>
               </a:spcBef>
@@ -2667,7 +2738,7 @@
               <a:buChar char="●"/>
               <a:defRPr sz="1200"/>
             </a:lvl7pPr>
-            <a:lvl8pPr indent="-304800" lvl="7" marL="3657600">
+            <a:lvl8pPr marL="3657600" lvl="7" indent="-304800">
               <a:spcBef>
                 <a:spcPts val="1600"/>
               </a:spcBef>
@@ -2678,7 +2749,7 @@
               <a:buChar char="○"/>
               <a:defRPr sz="1200"/>
             </a:lvl8pPr>
-            <a:lvl9pPr indent="-304800" lvl="8" marL="4114800">
+            <a:lvl9pPr marL="4114800" lvl="8" indent="-304800">
               <a:spcBef>
                 <a:spcPts val="1600"/>
               </a:spcBef>
@@ -2690,15 +2761,19 @@
               <a:defRPr sz="1200"/>
             </a:lvl9pPr>
           </a:lstStyle>
-          <a:p/>
+          <a:p>
+            <a:endParaRPr/>
+          </a:p>
         </p:txBody>
       </p:sp>
       <p:sp>
         <p:nvSpPr>
           <p:cNvPr id="24" name="Google Shape;24;p5"/>
-          <p:cNvSpPr txBox="1"/>
+          <p:cNvSpPr txBox="1">
+            <a:spLocks noGrp="1"/>
+          </p:cNvSpPr>
           <p:nvPr>
-            <p:ph idx="12" type="sldNum"/>
+            <p:ph type="sldNum" idx="12"/>
           </p:nvPr>
         </p:nvSpPr>
         <p:spPr>
@@ -2711,7 +2786,7 @@
           </a:prstGeom>
         </p:spPr>
         <p:txBody>
-          <a:bodyPr anchorCtr="0" anchor="ctr" bIns="91425" lIns="91425" spcFirstLastPara="1" rIns="91425" wrap="square" tIns="91425">
+          <a:bodyPr spcFirstLastPara="1" wrap="square" lIns="91425" tIns="91425" rIns="91425" bIns="91425" anchor="ctr" anchorCtr="0">
             <a:noAutofit/>
           </a:bodyPr>
           <a:lstStyle>
@@ -2753,7 +2828,7 @@
             </a:lvl9pPr>
           </a:lstStyle>
           <a:p>
-            <a:pPr indent="0" lvl="0" marL="0" rtl="0" algn="r">
+            <a:pPr marL="0" lvl="0" indent="0" algn="r" rtl="0">
               <a:spcBef>
                 <a:spcPts val="0"/>
               </a:spcBef>
@@ -2779,11 +2854,11 @@
 </file>
 
 <file path=ppt/slideLayouts/slideLayout5.xml><?xml version="1.0" encoding="utf-8"?>
-<p:sldLayout xmlns:a="http://schemas.openxmlformats.org/drawingml/2006/main" xmlns:r="http://schemas.openxmlformats.org/officeDocument/2006/relationships" xmlns:mc="http://schemas.openxmlformats.org/markup-compatibility/2006" xmlns:mv="urn:schemas-microsoft-com:mac:vml" xmlns:p="http://schemas.openxmlformats.org/presentationml/2006/main" xmlns:c="http://schemas.openxmlformats.org/drawingml/2006/chart" xmlns:dgm="http://schemas.openxmlformats.org/drawingml/2006/diagram" xmlns:o="urn:schemas-microsoft-com:office:office" xmlns:v="urn:schemas-microsoft-com:vml" xmlns:pvml="urn:schemas-microsoft-com:office:powerpoint" xmlns:com="http://schemas.openxmlformats.org/drawingml/2006/compatibility" xmlns:p14="http://schemas.microsoft.com/office/powerpoint/2010/main" xmlns:p15="http://schemas.microsoft.com/office/powerpoint/2012/main" xmlns:ahyp="http://schemas.microsoft.com/office/drawing/2018/hyperlinkcolor" matchingName="Title only" type="titleOnly">
+<p:sldLayout xmlns:a="http://schemas.openxmlformats.org/drawingml/2006/main" xmlns:r="http://schemas.openxmlformats.org/officeDocument/2006/relationships" xmlns:p="http://schemas.openxmlformats.org/presentationml/2006/main" matchingName="Title only" type="titleOnly">
   <p:cSld name="TITLE_ONLY">
     <p:spTree>
       <p:nvGrpSpPr>
-        <p:cNvPr id="25" name="Shape 25"/>
+        <p:cNvPr id="1" name="Shape 25"/>
         <p:cNvGrpSpPr/>
         <p:nvPr/>
       </p:nvGrpSpPr>
@@ -2798,7 +2873,9 @@
       <p:sp>
         <p:nvSpPr>
           <p:cNvPr id="26" name="Google Shape;26;p6"/>
-          <p:cNvSpPr txBox="1"/>
+          <p:cNvSpPr txBox="1">
+            <a:spLocks noGrp="1"/>
+          </p:cNvSpPr>
           <p:nvPr>
             <p:ph type="title"/>
           </p:nvPr>
@@ -2813,7 +2890,7 @@
           </a:prstGeom>
         </p:spPr>
         <p:txBody>
-          <a:bodyPr anchorCtr="0" anchor="t" bIns="91425" lIns="91425" spcFirstLastPara="1" rIns="91425" wrap="square" tIns="91425">
+          <a:bodyPr spcFirstLastPara="1" wrap="square" lIns="91425" tIns="91425" rIns="91425" bIns="91425" anchor="t" anchorCtr="0">
             <a:noAutofit/>
           </a:bodyPr>
           <a:lstStyle>
@@ -2917,15 +2994,19 @@
               <a:defRPr/>
             </a:lvl9pPr>
           </a:lstStyle>
-          <a:p/>
+          <a:p>
+            <a:endParaRPr/>
+          </a:p>
         </p:txBody>
       </p:sp>
       <p:sp>
         <p:nvSpPr>
           <p:cNvPr id="27" name="Google Shape;27;p6"/>
-          <p:cNvSpPr txBox="1"/>
+          <p:cNvSpPr txBox="1">
+            <a:spLocks noGrp="1"/>
+          </p:cNvSpPr>
           <p:nvPr>
-            <p:ph idx="12" type="sldNum"/>
+            <p:ph type="sldNum" idx="12"/>
           </p:nvPr>
         </p:nvSpPr>
         <p:spPr>
@@ -2938,7 +3019,7 @@
           </a:prstGeom>
         </p:spPr>
         <p:txBody>
-          <a:bodyPr anchorCtr="0" anchor="ctr" bIns="91425" lIns="91425" spcFirstLastPara="1" rIns="91425" wrap="square" tIns="91425">
+          <a:bodyPr spcFirstLastPara="1" wrap="square" lIns="91425" tIns="91425" rIns="91425" bIns="91425" anchor="ctr" anchorCtr="0">
             <a:noAutofit/>
           </a:bodyPr>
           <a:lstStyle>
@@ -2980,7 +3061,7 @@
             </a:lvl9pPr>
           </a:lstStyle>
           <a:p>
-            <a:pPr indent="0" lvl="0" marL="0" rtl="0" algn="r">
+            <a:pPr marL="0" lvl="0" indent="0" algn="r" rtl="0">
               <a:spcBef>
                 <a:spcPts val="0"/>
               </a:spcBef>
@@ -3006,11 +3087,11 @@
 </file>
 
 <file path=ppt/slideLayouts/slideLayout6.xml><?xml version="1.0" encoding="utf-8"?>
-<p:sldLayout xmlns:a="http://schemas.openxmlformats.org/drawingml/2006/main" xmlns:r="http://schemas.openxmlformats.org/officeDocument/2006/relationships" xmlns:mc="http://schemas.openxmlformats.org/markup-compatibility/2006" xmlns:mv="urn:schemas-microsoft-com:mac:vml" xmlns:p="http://schemas.openxmlformats.org/presentationml/2006/main" xmlns:c="http://schemas.openxmlformats.org/drawingml/2006/chart" xmlns:dgm="http://schemas.openxmlformats.org/drawingml/2006/diagram" xmlns:o="urn:schemas-microsoft-com:office:office" xmlns:v="urn:schemas-microsoft-com:vml" xmlns:pvml="urn:schemas-microsoft-com:office:powerpoint" xmlns:com="http://schemas.openxmlformats.org/drawingml/2006/compatibility" xmlns:p14="http://schemas.microsoft.com/office/powerpoint/2010/main" xmlns:p15="http://schemas.microsoft.com/office/powerpoint/2012/main" xmlns:ahyp="http://schemas.microsoft.com/office/drawing/2018/hyperlinkcolor" matchingName="One column text">
+<p:sldLayout xmlns:a="http://schemas.openxmlformats.org/drawingml/2006/main" xmlns:r="http://schemas.openxmlformats.org/officeDocument/2006/relationships" xmlns:p="http://schemas.openxmlformats.org/presentationml/2006/main" matchingName="One column text">
   <p:cSld name="ONE_COLUMN_TEXT">
     <p:spTree>
       <p:nvGrpSpPr>
-        <p:cNvPr id="28" name="Shape 28"/>
+        <p:cNvPr id="1" name="Shape 28"/>
         <p:cNvGrpSpPr/>
         <p:nvPr/>
       </p:nvGrpSpPr>
@@ -3025,7 +3106,9 @@
       <p:sp>
         <p:nvSpPr>
           <p:cNvPr id="29" name="Google Shape;29;p7"/>
-          <p:cNvSpPr txBox="1"/>
+          <p:cNvSpPr txBox="1">
+            <a:spLocks noGrp="1"/>
+          </p:cNvSpPr>
           <p:nvPr>
             <p:ph type="title"/>
           </p:nvPr>
@@ -3040,7 +3123,7 @@
           </a:prstGeom>
         </p:spPr>
         <p:txBody>
-          <a:bodyPr anchorCtr="0" anchor="b" bIns="91425" lIns="91425" spcFirstLastPara="1" rIns="91425" wrap="square" tIns="91425">
+          <a:bodyPr spcFirstLastPara="1" wrap="square" lIns="91425" tIns="91425" rIns="91425" bIns="91425" anchor="b" anchorCtr="0">
             <a:noAutofit/>
           </a:bodyPr>
           <a:lstStyle>
@@ -3144,15 +3227,19 @@
               <a:defRPr sz="2400"/>
             </a:lvl9pPr>
           </a:lstStyle>
-          <a:p/>
+          <a:p>
+            <a:endParaRPr/>
+          </a:p>
         </p:txBody>
       </p:sp>
       <p:sp>
         <p:nvSpPr>
           <p:cNvPr id="30" name="Google Shape;30;p7"/>
-          <p:cNvSpPr txBox="1"/>
+          <p:cNvSpPr txBox="1">
+            <a:spLocks noGrp="1"/>
+          </p:cNvSpPr>
           <p:nvPr>
-            <p:ph idx="1" type="body"/>
+            <p:ph type="body" idx="1"/>
           </p:nvPr>
         </p:nvSpPr>
         <p:spPr>
@@ -3165,11 +3252,11 @@
           </a:prstGeom>
         </p:spPr>
         <p:txBody>
-          <a:bodyPr anchorCtr="0" anchor="t" bIns="91425" lIns="91425" spcFirstLastPara="1" rIns="91425" wrap="square" tIns="91425">
+          <a:bodyPr spcFirstLastPara="1" wrap="square" lIns="91425" tIns="91425" rIns="91425" bIns="91425" anchor="t" anchorCtr="0">
             <a:noAutofit/>
           </a:bodyPr>
           <a:lstStyle>
-            <a:lvl1pPr indent="-304800" lvl="0" marL="457200">
+            <a:lvl1pPr marL="457200" lvl="0" indent="-304800">
               <a:spcBef>
                 <a:spcPts val="0"/>
               </a:spcBef>
@@ -3180,7 +3267,7 @@
               <a:buChar char="●"/>
               <a:defRPr sz="1200"/>
             </a:lvl1pPr>
-            <a:lvl2pPr indent="-304800" lvl="1" marL="914400">
+            <a:lvl2pPr marL="914400" lvl="1" indent="-304800">
               <a:spcBef>
                 <a:spcPts val="1600"/>
               </a:spcBef>
@@ -3191,7 +3278,7 @@
               <a:buChar char="○"/>
               <a:defRPr sz="1200"/>
             </a:lvl2pPr>
-            <a:lvl3pPr indent="-304800" lvl="2" marL="1371600">
+            <a:lvl3pPr marL="1371600" lvl="2" indent="-304800">
               <a:spcBef>
                 <a:spcPts val="1600"/>
               </a:spcBef>
@@ -3202,7 +3289,7 @@
               <a:buChar char="■"/>
               <a:defRPr sz="1200"/>
             </a:lvl3pPr>
-            <a:lvl4pPr indent="-304800" lvl="3" marL="1828800">
+            <a:lvl4pPr marL="1828800" lvl="3" indent="-304800">
               <a:spcBef>
                 <a:spcPts val="1600"/>
               </a:spcBef>
@@ -3213,7 +3300,7 @@
               <a:buChar char="●"/>
               <a:defRPr sz="1200"/>
             </a:lvl4pPr>
-            <a:lvl5pPr indent="-304800" lvl="4" marL="2286000">
+            <a:lvl5pPr marL="2286000" lvl="4" indent="-304800">
               <a:spcBef>
                 <a:spcPts val="1600"/>
               </a:spcBef>
@@ -3224,7 +3311,7 @@
               <a:buChar char="○"/>
               <a:defRPr sz="1200"/>
             </a:lvl5pPr>
-            <a:lvl6pPr indent="-304800" lvl="5" marL="2743200">
+            <a:lvl6pPr marL="2743200" lvl="5" indent="-304800">
               <a:spcBef>
                 <a:spcPts val="1600"/>
               </a:spcBef>
@@ -3235,7 +3322,7 @@
               <a:buChar char="■"/>
               <a:defRPr sz="1200"/>
             </a:lvl6pPr>
-            <a:lvl7pPr indent="-304800" lvl="6" marL="3200400">
+            <a:lvl7pPr marL="3200400" lvl="6" indent="-304800">
               <a:spcBef>
                 <a:spcPts val="1600"/>
               </a:spcBef>
@@ -3246,7 +3333,7 @@
               <a:buChar char="●"/>
               <a:defRPr sz="1200"/>
             </a:lvl7pPr>
-            <a:lvl8pPr indent="-304800" lvl="7" marL="3657600">
+            <a:lvl8pPr marL="3657600" lvl="7" indent="-304800">
               <a:spcBef>
                 <a:spcPts val="1600"/>
               </a:spcBef>
@@ -3257,7 +3344,7 @@
               <a:buChar char="○"/>
               <a:defRPr sz="1200"/>
             </a:lvl8pPr>
-            <a:lvl9pPr indent="-304800" lvl="8" marL="4114800">
+            <a:lvl9pPr marL="4114800" lvl="8" indent="-304800">
               <a:spcBef>
                 <a:spcPts val="1600"/>
               </a:spcBef>
@@ -3269,15 +3356,19 @@
               <a:defRPr sz="1200"/>
             </a:lvl9pPr>
           </a:lstStyle>
-          <a:p/>
+          <a:p>
+            <a:endParaRPr/>
+          </a:p>
         </p:txBody>
       </p:sp>
       <p:sp>
         <p:nvSpPr>
           <p:cNvPr id="31" name="Google Shape;31;p7"/>
-          <p:cNvSpPr txBox="1"/>
+          <p:cNvSpPr txBox="1">
+            <a:spLocks noGrp="1"/>
+          </p:cNvSpPr>
           <p:nvPr>
-            <p:ph idx="12" type="sldNum"/>
+            <p:ph type="sldNum" idx="12"/>
           </p:nvPr>
         </p:nvSpPr>
         <p:spPr>
@@ -3290,7 +3381,7 @@
           </a:prstGeom>
         </p:spPr>
         <p:txBody>
-          <a:bodyPr anchorCtr="0" anchor="ctr" bIns="91425" lIns="91425" spcFirstLastPara="1" rIns="91425" wrap="square" tIns="91425">
+          <a:bodyPr spcFirstLastPara="1" wrap="square" lIns="91425" tIns="91425" rIns="91425" bIns="91425" anchor="ctr" anchorCtr="0">
             <a:noAutofit/>
           </a:bodyPr>
           <a:lstStyle>
@@ -3332,7 +3423,7 @@
             </a:lvl9pPr>
           </a:lstStyle>
           <a:p>
-            <a:pPr indent="0" lvl="0" marL="0" rtl="0" algn="r">
+            <a:pPr marL="0" lvl="0" indent="0" algn="r" rtl="0">
               <a:spcBef>
                 <a:spcPts val="0"/>
               </a:spcBef>
@@ -3358,11 +3449,11 @@
 </file>
 
 <file path=ppt/slideLayouts/slideLayout7.xml><?xml version="1.0" encoding="utf-8"?>
-<p:sldLayout xmlns:a="http://schemas.openxmlformats.org/drawingml/2006/main" xmlns:r="http://schemas.openxmlformats.org/officeDocument/2006/relationships" xmlns:mc="http://schemas.openxmlformats.org/markup-compatibility/2006" xmlns:mv="urn:schemas-microsoft-com:mac:vml" xmlns:p="http://schemas.openxmlformats.org/presentationml/2006/main" xmlns:c="http://schemas.openxmlformats.org/drawingml/2006/chart" xmlns:dgm="http://schemas.openxmlformats.org/drawingml/2006/diagram" xmlns:o="urn:schemas-microsoft-com:office:office" xmlns:v="urn:schemas-microsoft-com:vml" xmlns:pvml="urn:schemas-microsoft-com:office:powerpoint" xmlns:com="http://schemas.openxmlformats.org/drawingml/2006/compatibility" xmlns:p14="http://schemas.microsoft.com/office/powerpoint/2010/main" xmlns:p15="http://schemas.microsoft.com/office/powerpoint/2012/main" xmlns:ahyp="http://schemas.microsoft.com/office/drawing/2018/hyperlinkcolor" matchingName="Main point">
+<p:sldLayout xmlns:a="http://schemas.openxmlformats.org/drawingml/2006/main" xmlns:r="http://schemas.openxmlformats.org/officeDocument/2006/relationships" xmlns:p="http://schemas.openxmlformats.org/presentationml/2006/main" matchingName="Main point">
   <p:cSld name="MAIN_POINT">
     <p:spTree>
       <p:nvGrpSpPr>
-        <p:cNvPr id="32" name="Shape 32"/>
+        <p:cNvPr id="1" name="Shape 32"/>
         <p:cNvGrpSpPr/>
         <p:nvPr/>
       </p:nvGrpSpPr>
@@ -3377,7 +3468,9 @@
       <p:sp>
         <p:nvSpPr>
           <p:cNvPr id="33" name="Google Shape;33;p8"/>
-          <p:cNvSpPr txBox="1"/>
+          <p:cNvSpPr txBox="1">
+            <a:spLocks noGrp="1"/>
+          </p:cNvSpPr>
           <p:nvPr>
             <p:ph type="title"/>
           </p:nvPr>
@@ -3392,7 +3485,7 @@
           </a:prstGeom>
         </p:spPr>
         <p:txBody>
-          <a:bodyPr anchorCtr="0" anchor="ctr" bIns="91425" lIns="91425" spcFirstLastPara="1" rIns="91425" wrap="square" tIns="91425">
+          <a:bodyPr spcFirstLastPara="1" wrap="square" lIns="91425" tIns="91425" rIns="91425" bIns="91425" anchor="ctr" anchorCtr="0">
             <a:noAutofit/>
           </a:bodyPr>
           <a:lstStyle>
@@ -3496,15 +3589,19 @@
               <a:defRPr sz="4800"/>
             </a:lvl9pPr>
           </a:lstStyle>
-          <a:p/>
+          <a:p>
+            <a:endParaRPr/>
+          </a:p>
         </p:txBody>
       </p:sp>
       <p:sp>
         <p:nvSpPr>
           <p:cNvPr id="34" name="Google Shape;34;p8"/>
-          <p:cNvSpPr txBox="1"/>
+          <p:cNvSpPr txBox="1">
+            <a:spLocks noGrp="1"/>
+          </p:cNvSpPr>
           <p:nvPr>
-            <p:ph idx="12" type="sldNum"/>
+            <p:ph type="sldNum" idx="12"/>
           </p:nvPr>
         </p:nvSpPr>
         <p:spPr>
@@ -3517,7 +3614,7 @@
           </a:prstGeom>
         </p:spPr>
         <p:txBody>
-          <a:bodyPr anchorCtr="0" anchor="ctr" bIns="91425" lIns="91425" spcFirstLastPara="1" rIns="91425" wrap="square" tIns="91425">
+          <a:bodyPr spcFirstLastPara="1" wrap="square" lIns="91425" tIns="91425" rIns="91425" bIns="91425" anchor="ctr" anchorCtr="0">
             <a:noAutofit/>
           </a:bodyPr>
           <a:lstStyle>
@@ -3559,7 +3656,7 @@
             </a:lvl9pPr>
           </a:lstStyle>
           <a:p>
-            <a:pPr indent="0" lvl="0" marL="0" rtl="0" algn="r">
+            <a:pPr marL="0" lvl="0" indent="0" algn="r" rtl="0">
               <a:spcBef>
                 <a:spcPts val="0"/>
               </a:spcBef>
@@ -3585,11 +3682,11 @@
 </file>
 
 <file path=ppt/slideLayouts/slideLayout8.xml><?xml version="1.0" encoding="utf-8"?>
-<p:sldLayout xmlns:a="http://schemas.openxmlformats.org/drawingml/2006/main" xmlns:r="http://schemas.openxmlformats.org/officeDocument/2006/relationships" xmlns:mc="http://schemas.openxmlformats.org/markup-compatibility/2006" xmlns:mv="urn:schemas-microsoft-com:mac:vml" xmlns:p="http://schemas.openxmlformats.org/presentationml/2006/main" xmlns:c="http://schemas.openxmlformats.org/drawingml/2006/chart" xmlns:dgm="http://schemas.openxmlformats.org/drawingml/2006/diagram" xmlns:o="urn:schemas-microsoft-com:office:office" xmlns:v="urn:schemas-microsoft-com:vml" xmlns:pvml="urn:schemas-microsoft-com:office:powerpoint" xmlns:com="http://schemas.openxmlformats.org/drawingml/2006/compatibility" xmlns:p14="http://schemas.microsoft.com/office/powerpoint/2010/main" xmlns:p15="http://schemas.microsoft.com/office/powerpoint/2012/main" xmlns:ahyp="http://schemas.microsoft.com/office/drawing/2018/hyperlinkcolor" matchingName="Section title and description">
+<p:sldLayout xmlns:a="http://schemas.openxmlformats.org/drawingml/2006/main" xmlns:r="http://schemas.openxmlformats.org/officeDocument/2006/relationships" xmlns:p="http://schemas.openxmlformats.org/presentationml/2006/main" matchingName="Section title and description">
   <p:cSld name="SECTION_TITLE_AND_DESCRIPTION">
     <p:spTree>
       <p:nvGrpSpPr>
-        <p:cNvPr id="35" name="Shape 35"/>
+        <p:cNvPr id="1" name="Shape 35"/>
         <p:cNvGrpSpPr/>
         <p:nvPr/>
       </p:nvGrpSpPr>
@@ -3623,12 +3720,12 @@
           </a:ln>
         </p:spPr>
         <p:txBody>
-          <a:bodyPr anchorCtr="0" anchor="ctr" bIns="91425" lIns="91425" spcFirstLastPara="1" rIns="91425" wrap="square" tIns="91425">
+          <a:bodyPr spcFirstLastPara="1" wrap="square" lIns="91425" tIns="91425" rIns="91425" bIns="91425" anchor="ctr" anchorCtr="0">
             <a:noAutofit/>
           </a:bodyPr>
           <a:lstStyle/>
           <a:p>
-            <a:pPr indent="0" lvl="0" marL="0" rtl="0" algn="l">
+            <a:pPr marL="0" lvl="0" indent="0" algn="l" rtl="0">
               <a:spcBef>
                 <a:spcPts val="0"/>
               </a:spcBef>
@@ -3637,9 +3734,6 @@
               </a:spcAft>
               <a:buNone/>
             </a:pPr>
-            <a:r>
-              <a:t/>
-            </a:r>
             <a:endParaRPr/>
           </a:p>
         </p:txBody>
@@ -3647,7 +3741,9 @@
       <p:sp>
         <p:nvSpPr>
           <p:cNvPr id="37" name="Google Shape;37;p9"/>
-          <p:cNvSpPr txBox="1"/>
+          <p:cNvSpPr txBox="1">
+            <a:spLocks noGrp="1"/>
+          </p:cNvSpPr>
           <p:nvPr>
             <p:ph type="title"/>
           </p:nvPr>
@@ -3662,7 +3758,7 @@
           </a:prstGeom>
         </p:spPr>
         <p:txBody>
-          <a:bodyPr anchorCtr="0" anchor="b" bIns="91425" lIns="91425" spcFirstLastPara="1" rIns="91425" wrap="square" tIns="91425">
+          <a:bodyPr spcFirstLastPara="1" wrap="square" lIns="91425" tIns="91425" rIns="91425" bIns="91425" anchor="b" anchorCtr="0">
             <a:noAutofit/>
           </a:bodyPr>
           <a:lstStyle>
@@ -3766,15 +3862,19 @@
               <a:defRPr sz="4200"/>
             </a:lvl9pPr>
           </a:lstStyle>
-          <a:p/>
+          <a:p>
+            <a:endParaRPr/>
+          </a:p>
         </p:txBody>
       </p:sp>
       <p:sp>
         <p:nvSpPr>
           <p:cNvPr id="38" name="Google Shape;38;p9"/>
-          <p:cNvSpPr txBox="1"/>
+          <p:cNvSpPr txBox="1">
+            <a:spLocks noGrp="1"/>
+          </p:cNvSpPr>
           <p:nvPr>
-            <p:ph idx="1" type="subTitle"/>
+            <p:ph type="subTitle" idx="1"/>
           </p:nvPr>
         </p:nvSpPr>
         <p:spPr>
@@ -3787,7 +3887,7 @@
           </a:prstGeom>
         </p:spPr>
         <p:txBody>
-          <a:bodyPr anchorCtr="0" anchor="t" bIns="91425" lIns="91425" spcFirstLastPara="1" rIns="91425" wrap="square" tIns="91425">
+          <a:bodyPr spcFirstLastPara="1" wrap="square" lIns="91425" tIns="91425" rIns="91425" bIns="91425" anchor="t" anchorCtr="0">
             <a:noAutofit/>
           </a:bodyPr>
           <a:lstStyle>
@@ -3918,15 +4018,19 @@
               <a:defRPr sz="2100"/>
             </a:lvl9pPr>
           </a:lstStyle>
-          <a:p/>
+          <a:p>
+            <a:endParaRPr/>
+          </a:p>
         </p:txBody>
       </p:sp>
       <p:sp>
         <p:nvSpPr>
           <p:cNvPr id="39" name="Google Shape;39;p9"/>
-          <p:cNvSpPr txBox="1"/>
+          <p:cNvSpPr txBox="1">
+            <a:spLocks noGrp="1"/>
+          </p:cNvSpPr>
           <p:nvPr>
-            <p:ph idx="2" type="body"/>
+            <p:ph type="body" idx="2"/>
           </p:nvPr>
         </p:nvSpPr>
         <p:spPr>
@@ -3939,11 +4043,11 @@
           </a:prstGeom>
         </p:spPr>
         <p:txBody>
-          <a:bodyPr anchorCtr="0" anchor="ctr" bIns="91425" lIns="91425" spcFirstLastPara="1" rIns="91425" wrap="square" tIns="91425">
+          <a:bodyPr spcFirstLastPara="1" wrap="square" lIns="91425" tIns="91425" rIns="91425" bIns="91425" anchor="ctr" anchorCtr="0">
             <a:noAutofit/>
           </a:bodyPr>
           <a:lstStyle>
-            <a:lvl1pPr indent="-342900" lvl="0" marL="457200">
+            <a:lvl1pPr marL="457200" lvl="0" indent="-342900">
               <a:spcBef>
                 <a:spcPts val="0"/>
               </a:spcBef>
@@ -3961,7 +4065,7 @@
                 </a:solidFill>
               </a:defRPr>
             </a:lvl1pPr>
-            <a:lvl2pPr indent="-317500" lvl="1" marL="914400">
+            <a:lvl2pPr marL="914400" lvl="1" indent="-317500">
               <a:spcBef>
                 <a:spcPts val="1600"/>
               </a:spcBef>
@@ -3979,7 +4083,7 @@
                 </a:solidFill>
               </a:defRPr>
             </a:lvl2pPr>
-            <a:lvl3pPr indent="-317500" lvl="2" marL="1371600">
+            <a:lvl3pPr marL="1371600" lvl="2" indent="-317500">
               <a:spcBef>
                 <a:spcPts val="1600"/>
               </a:spcBef>
@@ -3997,7 +4101,7 @@
                 </a:solidFill>
               </a:defRPr>
             </a:lvl3pPr>
-            <a:lvl4pPr indent="-317500" lvl="3" marL="1828800">
+            <a:lvl4pPr marL="1828800" lvl="3" indent="-317500">
               <a:spcBef>
                 <a:spcPts val="1600"/>
               </a:spcBef>
@@ -4015,7 +4119,7 @@
                 </a:solidFill>
               </a:defRPr>
             </a:lvl4pPr>
-            <a:lvl5pPr indent="-317500" lvl="4" marL="2286000">
+            <a:lvl5pPr marL="2286000" lvl="4" indent="-317500">
               <a:spcBef>
                 <a:spcPts val="1600"/>
               </a:spcBef>
@@ -4033,7 +4137,7 @@
                 </a:solidFill>
               </a:defRPr>
             </a:lvl5pPr>
-            <a:lvl6pPr indent="-317500" lvl="5" marL="2743200">
+            <a:lvl6pPr marL="2743200" lvl="5" indent="-317500">
               <a:spcBef>
                 <a:spcPts val="1600"/>
               </a:spcBef>
@@ -4051,7 +4155,7 @@
                 </a:solidFill>
               </a:defRPr>
             </a:lvl6pPr>
-            <a:lvl7pPr indent="-317500" lvl="6" marL="3200400">
+            <a:lvl7pPr marL="3200400" lvl="6" indent="-317500">
               <a:spcBef>
                 <a:spcPts val="1600"/>
               </a:spcBef>
@@ -4069,7 +4173,7 @@
                 </a:solidFill>
               </a:defRPr>
             </a:lvl7pPr>
-            <a:lvl8pPr indent="-317500" lvl="7" marL="3657600">
+            <a:lvl8pPr marL="3657600" lvl="7" indent="-317500">
               <a:spcBef>
                 <a:spcPts val="1600"/>
               </a:spcBef>
@@ -4087,7 +4191,7 @@
                 </a:solidFill>
               </a:defRPr>
             </a:lvl8pPr>
-            <a:lvl9pPr indent="-317500" lvl="8" marL="4114800">
+            <a:lvl9pPr marL="4114800" lvl="8" indent="-317500">
               <a:spcBef>
                 <a:spcPts val="1600"/>
               </a:spcBef>
@@ -4106,15 +4210,19 @@
               </a:defRPr>
             </a:lvl9pPr>
           </a:lstStyle>
-          <a:p/>
+          <a:p>
+            <a:endParaRPr/>
+          </a:p>
         </p:txBody>
       </p:sp>
       <p:sp>
         <p:nvSpPr>
           <p:cNvPr id="40" name="Google Shape;40;p9"/>
-          <p:cNvSpPr txBox="1"/>
+          <p:cNvSpPr txBox="1">
+            <a:spLocks noGrp="1"/>
+          </p:cNvSpPr>
           <p:nvPr>
-            <p:ph idx="12" type="sldNum"/>
+            <p:ph type="sldNum" idx="12"/>
           </p:nvPr>
         </p:nvSpPr>
         <p:spPr>
@@ -4127,7 +4235,7 @@
           </a:prstGeom>
         </p:spPr>
         <p:txBody>
-          <a:bodyPr anchorCtr="0" anchor="ctr" bIns="91425" lIns="91425" spcFirstLastPara="1" rIns="91425" wrap="square" tIns="91425">
+          <a:bodyPr spcFirstLastPara="1" wrap="square" lIns="91425" tIns="91425" rIns="91425" bIns="91425" anchor="ctr" anchorCtr="0">
             <a:noAutofit/>
           </a:bodyPr>
           <a:lstStyle>
@@ -4169,7 +4277,7 @@
             </a:lvl9pPr>
           </a:lstStyle>
           <a:p>
-            <a:pPr indent="0" lvl="0" marL="0" rtl="0" algn="r">
+            <a:pPr marL="0" lvl="0" indent="0" algn="r" rtl="0">
               <a:spcBef>
                 <a:spcPts val="0"/>
               </a:spcBef>
@@ -4195,11 +4303,11 @@
 </file>
 
 <file path=ppt/slideLayouts/slideLayout9.xml><?xml version="1.0" encoding="utf-8"?>
-<p:sldLayout xmlns:a="http://schemas.openxmlformats.org/drawingml/2006/main" xmlns:r="http://schemas.openxmlformats.org/officeDocument/2006/relationships" xmlns:mc="http://schemas.openxmlformats.org/markup-compatibility/2006" xmlns:mv="urn:schemas-microsoft-com:mac:vml" xmlns:p="http://schemas.openxmlformats.org/presentationml/2006/main" xmlns:c="http://schemas.openxmlformats.org/drawingml/2006/chart" xmlns:dgm="http://schemas.openxmlformats.org/drawingml/2006/diagram" xmlns:o="urn:schemas-microsoft-com:office:office" xmlns:v="urn:schemas-microsoft-com:vml" xmlns:pvml="urn:schemas-microsoft-com:office:powerpoint" xmlns:com="http://schemas.openxmlformats.org/drawingml/2006/compatibility" xmlns:p14="http://schemas.microsoft.com/office/powerpoint/2010/main" xmlns:p15="http://schemas.microsoft.com/office/powerpoint/2012/main" xmlns:ahyp="http://schemas.microsoft.com/office/drawing/2018/hyperlinkcolor" matchingName="Caption">
+<p:sldLayout xmlns:a="http://schemas.openxmlformats.org/drawingml/2006/main" xmlns:r="http://schemas.openxmlformats.org/officeDocument/2006/relationships" xmlns:p="http://schemas.openxmlformats.org/presentationml/2006/main" matchingName="Caption">
   <p:cSld name="CAPTION_ONLY">
     <p:spTree>
       <p:nvGrpSpPr>
-        <p:cNvPr id="41" name="Shape 41"/>
+        <p:cNvPr id="1" name="Shape 41"/>
         <p:cNvGrpSpPr/>
         <p:nvPr/>
       </p:nvGrpSpPr>
@@ -4214,9 +4322,11 @@
       <p:sp>
         <p:nvSpPr>
           <p:cNvPr id="42" name="Google Shape;42;p10"/>
-          <p:cNvSpPr txBox="1"/>
+          <p:cNvSpPr txBox="1">
+            <a:spLocks noGrp="1"/>
+          </p:cNvSpPr>
           <p:nvPr>
-            <p:ph idx="1" type="body"/>
+            <p:ph type="body" idx="1"/>
           </p:nvPr>
         </p:nvSpPr>
         <p:spPr>
@@ -4229,11 +4339,11 @@
           </a:prstGeom>
         </p:spPr>
         <p:txBody>
-          <a:bodyPr anchorCtr="0" anchor="ctr" bIns="91425" lIns="91425" spcFirstLastPara="1" rIns="91425" wrap="square" tIns="91425">
+          <a:bodyPr spcFirstLastPara="1" wrap="square" lIns="91425" tIns="91425" rIns="91425" bIns="91425" anchor="ctr" anchorCtr="0">
             <a:noAutofit/>
           </a:bodyPr>
           <a:lstStyle>
-            <a:lvl1pPr indent="-228600" lvl="0" marL="457200">
+            <a:lvl1pPr marL="457200" lvl="0" indent="-228600">
               <a:lnSpc>
                 <a:spcPct val="100000"/>
               </a:lnSpc>
@@ -4248,15 +4358,19 @@
               <a:defRPr/>
             </a:lvl1pPr>
           </a:lstStyle>
-          <a:p/>
+          <a:p>
+            <a:endParaRPr/>
+          </a:p>
         </p:txBody>
       </p:sp>
       <p:sp>
         <p:nvSpPr>
           <p:cNvPr id="43" name="Google Shape;43;p10"/>
-          <p:cNvSpPr txBox="1"/>
+          <p:cNvSpPr txBox="1">
+            <a:spLocks noGrp="1"/>
+          </p:cNvSpPr>
           <p:nvPr>
-            <p:ph idx="12" type="sldNum"/>
+            <p:ph type="sldNum" idx="12"/>
           </p:nvPr>
         </p:nvSpPr>
         <p:spPr>
@@ -4269,7 +4383,7 @@
           </a:prstGeom>
         </p:spPr>
         <p:txBody>
-          <a:bodyPr anchorCtr="0" anchor="ctr" bIns="91425" lIns="91425" spcFirstLastPara="1" rIns="91425" wrap="square" tIns="91425">
+          <a:bodyPr spcFirstLastPara="1" wrap="square" lIns="91425" tIns="91425" rIns="91425" bIns="91425" anchor="ctr" anchorCtr="0">
             <a:noAutofit/>
           </a:bodyPr>
           <a:lstStyle>
@@ -4311,7 +4425,7 @@
             </a:lvl9pPr>
           </a:lstStyle>
           <a:p>
-            <a:pPr indent="0" lvl="0" marL="0" rtl="0" algn="r">
+            <a:pPr marL="0" lvl="0" indent="0" algn="r" rtl="0">
               <a:spcBef>
                 <a:spcPts val="0"/>
               </a:spcBef>
@@ -4337,18 +4451,19 @@
 </file>
 
 <file path=ppt/slideMasters/slideMaster1.xml><?xml version="1.0" encoding="utf-8"?>
-<p:sldMaster xmlns:a="http://schemas.openxmlformats.org/drawingml/2006/main" xmlns:r="http://schemas.openxmlformats.org/officeDocument/2006/relationships" xmlns:mc="http://schemas.openxmlformats.org/markup-compatibility/2006" xmlns:mv="urn:schemas-microsoft-com:mac:vml" xmlns:p="http://schemas.openxmlformats.org/presentationml/2006/main" xmlns:c="http://schemas.openxmlformats.org/drawingml/2006/chart" xmlns:dgm="http://schemas.openxmlformats.org/drawingml/2006/diagram" xmlns:o="urn:schemas-microsoft-com:office:office" xmlns:v="urn:schemas-microsoft-com:vml" xmlns:pvml="urn:schemas-microsoft-com:office:powerpoint" xmlns:com="http://schemas.openxmlformats.org/drawingml/2006/compatibility" xmlns:p14="http://schemas.microsoft.com/office/powerpoint/2010/main" xmlns:p15="http://schemas.microsoft.com/office/powerpoint/2012/main" xmlns:ahyp="http://schemas.microsoft.com/office/drawing/2018/hyperlinkcolor">
+<p:sldMaster xmlns:a="http://schemas.openxmlformats.org/drawingml/2006/main" xmlns:r="http://schemas.openxmlformats.org/officeDocument/2006/relationships" xmlns:p="http://schemas.openxmlformats.org/presentationml/2006/main">
   <p:cSld name="simple-dark-2">
     <p:bg>
       <p:bgPr>
         <a:solidFill>
           <a:schemeClr val="lt1"/>
         </a:solidFill>
+        <a:effectLst/>
       </p:bgPr>
     </p:bg>
     <p:spTree>
       <p:nvGrpSpPr>
-        <p:cNvPr id="5" name="Shape 5"/>
+        <p:cNvPr id="1" name="Shape 5"/>
         <p:cNvGrpSpPr/>
         <p:nvPr/>
       </p:nvGrpSpPr>
@@ -4363,7 +4478,9 @@
       <p:sp>
         <p:nvSpPr>
           <p:cNvPr id="6" name="Google Shape;6;p1"/>
-          <p:cNvSpPr txBox="1"/>
+          <p:cNvSpPr txBox="1">
+            <a:spLocks noGrp="1"/>
+          </p:cNvSpPr>
           <p:nvPr>
             <p:ph type="title"/>
           </p:nvPr>
@@ -4382,7 +4499,7 @@
           </a:ln>
         </p:spPr>
         <p:txBody>
-          <a:bodyPr anchorCtr="0" anchor="t" bIns="91425" lIns="91425" spcFirstLastPara="1" rIns="91425" wrap="square" tIns="91425">
+          <a:bodyPr spcFirstLastPara="1" wrap="square" lIns="91425" tIns="91425" rIns="91425" bIns="91425" anchor="t" anchorCtr="0">
             <a:noAutofit/>
           </a:bodyPr>
           <a:lstStyle>
@@ -4549,15 +4666,19 @@
               </a:defRPr>
             </a:lvl9pPr>
           </a:lstStyle>
-          <a:p/>
+          <a:p>
+            <a:endParaRPr/>
+          </a:p>
         </p:txBody>
       </p:sp>
       <p:sp>
         <p:nvSpPr>
           <p:cNvPr id="7" name="Google Shape;7;p1"/>
-          <p:cNvSpPr txBox="1"/>
+          <p:cNvSpPr txBox="1">
+            <a:spLocks noGrp="1"/>
+          </p:cNvSpPr>
           <p:nvPr>
-            <p:ph idx="1" type="body"/>
+            <p:ph type="body" idx="1"/>
           </p:nvPr>
         </p:nvSpPr>
         <p:spPr>
@@ -4574,11 +4695,11 @@
           </a:ln>
         </p:spPr>
         <p:txBody>
-          <a:bodyPr anchorCtr="0" anchor="t" bIns="91425" lIns="91425" spcFirstLastPara="1" rIns="91425" wrap="square" tIns="91425">
+          <a:bodyPr spcFirstLastPara="1" wrap="square" lIns="91425" tIns="91425" rIns="91425" bIns="91425" anchor="t" anchorCtr="0">
             <a:noAutofit/>
           </a:bodyPr>
           <a:lstStyle>
-            <a:lvl1pPr indent="-342900" lvl="0" marL="457200">
+            <a:lvl1pPr marL="457200" lvl="0" indent="-342900">
               <a:lnSpc>
                 <a:spcPct val="115000"/>
               </a:lnSpc>
@@ -4599,7 +4720,7 @@
                 </a:solidFill>
               </a:defRPr>
             </a:lvl1pPr>
-            <a:lvl2pPr indent="-317500" lvl="1" marL="914400">
+            <a:lvl2pPr marL="914400" lvl="1" indent="-317500">
               <a:lnSpc>
                 <a:spcPct val="115000"/>
               </a:lnSpc>
@@ -4620,7 +4741,7 @@
                 </a:solidFill>
               </a:defRPr>
             </a:lvl2pPr>
-            <a:lvl3pPr indent="-317500" lvl="2" marL="1371600">
+            <a:lvl3pPr marL="1371600" lvl="2" indent="-317500">
               <a:lnSpc>
                 <a:spcPct val="115000"/>
               </a:lnSpc>
@@ -4641,7 +4762,7 @@
                 </a:solidFill>
               </a:defRPr>
             </a:lvl3pPr>
-            <a:lvl4pPr indent="-317500" lvl="3" marL="1828800">
+            <a:lvl4pPr marL="1828800" lvl="3" indent="-317500">
               <a:lnSpc>
                 <a:spcPct val="115000"/>
               </a:lnSpc>
@@ -4662,7 +4783,7 @@
                 </a:solidFill>
               </a:defRPr>
             </a:lvl4pPr>
-            <a:lvl5pPr indent="-317500" lvl="4" marL="2286000">
+            <a:lvl5pPr marL="2286000" lvl="4" indent="-317500">
               <a:lnSpc>
                 <a:spcPct val="115000"/>
               </a:lnSpc>
@@ -4683,7 +4804,7 @@
                 </a:solidFill>
               </a:defRPr>
             </a:lvl5pPr>
-            <a:lvl6pPr indent="-317500" lvl="5" marL="2743200">
+            <a:lvl6pPr marL="2743200" lvl="5" indent="-317500">
               <a:lnSpc>
                 <a:spcPct val="115000"/>
               </a:lnSpc>
@@ -4704,7 +4825,7 @@
                 </a:solidFill>
               </a:defRPr>
             </a:lvl6pPr>
-            <a:lvl7pPr indent="-317500" lvl="6" marL="3200400">
+            <a:lvl7pPr marL="3200400" lvl="6" indent="-317500">
               <a:lnSpc>
                 <a:spcPct val="115000"/>
               </a:lnSpc>
@@ -4725,7 +4846,7 @@
                 </a:solidFill>
               </a:defRPr>
             </a:lvl7pPr>
-            <a:lvl8pPr indent="-317500" lvl="7" marL="3657600">
+            <a:lvl8pPr marL="3657600" lvl="7" indent="-317500">
               <a:lnSpc>
                 <a:spcPct val="115000"/>
               </a:lnSpc>
@@ -4746,7 +4867,7 @@
                 </a:solidFill>
               </a:defRPr>
             </a:lvl8pPr>
-            <a:lvl9pPr indent="-317500" lvl="8" marL="4114800">
+            <a:lvl9pPr marL="4114800" lvl="8" indent="-317500">
               <a:lnSpc>
                 <a:spcPct val="115000"/>
               </a:lnSpc>
@@ -4768,15 +4889,19 @@
               </a:defRPr>
             </a:lvl9pPr>
           </a:lstStyle>
-          <a:p/>
+          <a:p>
+            <a:endParaRPr/>
+          </a:p>
         </p:txBody>
       </p:sp>
       <p:sp>
         <p:nvSpPr>
           <p:cNvPr id="8" name="Google Shape;8;p1"/>
-          <p:cNvSpPr txBox="1"/>
+          <p:cNvSpPr txBox="1">
+            <a:spLocks noGrp="1"/>
+          </p:cNvSpPr>
           <p:nvPr>
-            <p:ph idx="12" type="sldNum"/>
+            <p:ph type="sldNum" idx="12"/>
           </p:nvPr>
         </p:nvSpPr>
         <p:spPr>
@@ -4793,7 +4918,7 @@
           </a:ln>
         </p:spPr>
         <p:txBody>
-          <a:bodyPr anchorCtr="0" anchor="ctr" bIns="91425" lIns="91425" spcFirstLastPara="1" rIns="91425" wrap="square" tIns="91425">
+          <a:bodyPr spcFirstLastPara="1" wrap="square" lIns="91425" tIns="91425" rIns="91425" bIns="91425" anchor="ctr" anchorCtr="0">
             <a:noAutofit/>
           </a:bodyPr>
           <a:lstStyle>
@@ -4871,7 +4996,7 @@
             </a:lvl9pPr>
           </a:lstStyle>
           <a:p>
-            <a:pPr indent="0" lvl="0" marL="0" rtl="0" algn="r">
+            <a:pPr marL="0" lvl="0" indent="0" algn="r" rtl="0">
               <a:spcBef>
                 <a:spcPts val="0"/>
               </a:spcBef>
@@ -4890,7 +5015,7 @@
       </p:sp>
     </p:spTree>
   </p:cSld>
-  <p:clrMap accent1="accent1" accent2="accent2" accent3="accent3" accent4="accent4" accent5="accent5" accent6="accent6" bg1="lt1" bg2="dk2" tx1="dk1" tx2="lt2" folHlink="folHlink" hlink="hlink"/>
+  <p:clrMap bg1="lt1" tx1="dk1" bg2="dk2" tx2="lt2" accent1="accent1" accent2="accent2" accent3="accent3" accent4="accent4" accent5="accent5" accent6="accent6" hlink="hlink" folHlink="folHlink"/>
   <p:sldLayoutIdLst>
     <p:sldLayoutId id="2147483648" r:id="rId1"/>
     <p:sldLayoutId id="2147483649" r:id="rId2"/>
@@ -4904,10 +5029,10 @@
     <p:sldLayoutId id="2147483657" r:id="rId10"/>
     <p:sldLayoutId id="2147483658" r:id="rId11"/>
   </p:sldLayoutIdLst>
-  <p:hf dt="0" ftr="0" hdr="0" sldNum="0"/>
+  <p:hf sldNum="0" hdr="0" ftr="0" dt="0"/>
   <p:txStyles>
     <p:titleStyle>
-      <a:defPPr lvl="0" marR="0" rtl="0" algn="l">
+      <a:defPPr marR="0" lvl="0" algn="l" rtl="0">
         <a:lnSpc>
           <a:spcPct val="100000"/>
         </a:lnSpc>
@@ -4918,7 +5043,7 @@
           <a:spcPts val="0"/>
         </a:spcAft>
       </a:defPPr>
-      <a:lvl1pPr lvl="0" marR="0" rtl="0" algn="l">
+      <a:lvl1pPr marR="0" lvl="0" algn="l" rtl="0">
         <a:lnSpc>
           <a:spcPct val="100000"/>
         </a:lnSpc>
@@ -4932,7 +5057,7 @@
           <a:srgbClr val="000000"/>
         </a:buClr>
         <a:buFont typeface="Arial"/>
-        <a:defRPr b="0" i="0" sz="1400" u="none" cap="none" strike="noStrike">
+        <a:defRPr sz="1400" b="0" i="0" u="none" strike="noStrike" cap="none">
           <a:solidFill>
             <a:srgbClr val="000000"/>
           </a:solidFill>
@@ -4942,7 +5067,7 @@
           <a:sym typeface="Arial"/>
         </a:defRPr>
       </a:lvl1pPr>
-      <a:lvl2pPr lvl="1" marR="0" rtl="0" algn="l">
+      <a:lvl2pPr marR="0" lvl="1" algn="l" rtl="0">
         <a:lnSpc>
           <a:spcPct val="100000"/>
         </a:lnSpc>
@@ -4956,7 +5081,7 @@
           <a:srgbClr val="000000"/>
         </a:buClr>
         <a:buFont typeface="Arial"/>
-        <a:defRPr b="0" i="0" sz="1400" u="none" cap="none" strike="noStrike">
+        <a:defRPr sz="1400" b="0" i="0" u="none" strike="noStrike" cap="none">
           <a:solidFill>
             <a:srgbClr val="000000"/>
           </a:solidFill>
@@ -4966,7 +5091,7 @@
           <a:sym typeface="Arial"/>
         </a:defRPr>
       </a:lvl2pPr>
-      <a:lvl3pPr lvl="2" marR="0" rtl="0" algn="l">
+      <a:lvl3pPr marR="0" lvl="2" algn="l" rtl="0">
         <a:lnSpc>
           <a:spcPct val="100000"/>
         </a:lnSpc>
@@ -4980,7 +5105,7 @@
           <a:srgbClr val="000000"/>
         </a:buClr>
         <a:buFont typeface="Arial"/>
-        <a:defRPr b="0" i="0" sz="1400" u="none" cap="none" strike="noStrike">
+        <a:defRPr sz="1400" b="0" i="0" u="none" strike="noStrike" cap="none">
           <a:solidFill>
             <a:srgbClr val="000000"/>
           </a:solidFill>
@@ -4990,7 +5115,7 @@
           <a:sym typeface="Arial"/>
         </a:defRPr>
       </a:lvl3pPr>
-      <a:lvl4pPr lvl="3" marR="0" rtl="0" algn="l">
+      <a:lvl4pPr marR="0" lvl="3" algn="l" rtl="0">
         <a:lnSpc>
           <a:spcPct val="100000"/>
         </a:lnSpc>
@@ -5004,7 +5129,7 @@
           <a:srgbClr val="000000"/>
         </a:buClr>
         <a:buFont typeface="Arial"/>
-        <a:defRPr b="0" i="0" sz="1400" u="none" cap="none" strike="noStrike">
+        <a:defRPr sz="1400" b="0" i="0" u="none" strike="noStrike" cap="none">
           <a:solidFill>
             <a:srgbClr val="000000"/>
           </a:solidFill>
@@ -5014,7 +5139,7 @@
           <a:sym typeface="Arial"/>
         </a:defRPr>
       </a:lvl4pPr>
-      <a:lvl5pPr lvl="4" marR="0" rtl="0" algn="l">
+      <a:lvl5pPr marR="0" lvl="4" algn="l" rtl="0">
         <a:lnSpc>
           <a:spcPct val="100000"/>
         </a:lnSpc>
@@ -5028,7 +5153,7 @@
           <a:srgbClr val="000000"/>
         </a:buClr>
         <a:buFont typeface="Arial"/>
-        <a:defRPr b="0" i="0" sz="1400" u="none" cap="none" strike="noStrike">
+        <a:defRPr sz="1400" b="0" i="0" u="none" strike="noStrike" cap="none">
           <a:solidFill>
             <a:srgbClr val="000000"/>
           </a:solidFill>
@@ -5038,7 +5163,7 @@
           <a:sym typeface="Arial"/>
         </a:defRPr>
       </a:lvl5pPr>
-      <a:lvl6pPr lvl="5" marR="0" rtl="0" algn="l">
+      <a:lvl6pPr marR="0" lvl="5" algn="l" rtl="0">
         <a:lnSpc>
           <a:spcPct val="100000"/>
         </a:lnSpc>
@@ -5052,7 +5177,7 @@
           <a:srgbClr val="000000"/>
         </a:buClr>
         <a:buFont typeface="Arial"/>
-        <a:defRPr b="0" i="0" sz="1400" u="none" cap="none" strike="noStrike">
+        <a:defRPr sz="1400" b="0" i="0" u="none" strike="noStrike" cap="none">
           <a:solidFill>
             <a:srgbClr val="000000"/>
           </a:solidFill>
@@ -5062,7 +5187,7 @@
           <a:sym typeface="Arial"/>
         </a:defRPr>
       </a:lvl6pPr>
-      <a:lvl7pPr lvl="6" marR="0" rtl="0" algn="l">
+      <a:lvl7pPr marR="0" lvl="6" algn="l" rtl="0">
         <a:lnSpc>
           <a:spcPct val="100000"/>
         </a:lnSpc>
@@ -5076,7 +5201,7 @@
           <a:srgbClr val="000000"/>
         </a:buClr>
         <a:buFont typeface="Arial"/>
-        <a:defRPr b="0" i="0" sz="1400" u="none" cap="none" strike="noStrike">
+        <a:defRPr sz="1400" b="0" i="0" u="none" strike="noStrike" cap="none">
           <a:solidFill>
             <a:srgbClr val="000000"/>
           </a:solidFill>
@@ -5086,7 +5211,7 @@
           <a:sym typeface="Arial"/>
         </a:defRPr>
       </a:lvl7pPr>
-      <a:lvl8pPr lvl="7" marR="0" rtl="0" algn="l">
+      <a:lvl8pPr marR="0" lvl="7" algn="l" rtl="0">
         <a:lnSpc>
           <a:spcPct val="100000"/>
         </a:lnSpc>
@@ -5100,7 +5225,7 @@
           <a:srgbClr val="000000"/>
         </a:buClr>
         <a:buFont typeface="Arial"/>
-        <a:defRPr b="0" i="0" sz="1400" u="none" cap="none" strike="noStrike">
+        <a:defRPr sz="1400" b="0" i="0" u="none" strike="noStrike" cap="none">
           <a:solidFill>
             <a:srgbClr val="000000"/>
           </a:solidFill>
@@ -5110,7 +5235,7 @@
           <a:sym typeface="Arial"/>
         </a:defRPr>
       </a:lvl8pPr>
-      <a:lvl9pPr lvl="8" marR="0" rtl="0" algn="l">
+      <a:lvl9pPr marR="0" lvl="8" algn="l" rtl="0">
         <a:lnSpc>
           <a:spcPct val="100000"/>
         </a:lnSpc>
@@ -5124,7 +5249,7 @@
           <a:srgbClr val="000000"/>
         </a:buClr>
         <a:buFont typeface="Arial"/>
-        <a:defRPr b="0" i="0" sz="1400" u="none" cap="none" strike="noStrike">
+        <a:defRPr sz="1400" b="0" i="0" u="none" strike="noStrike" cap="none">
           <a:solidFill>
             <a:srgbClr val="000000"/>
           </a:solidFill>
@@ -5136,7 +5261,7 @@
       </a:lvl9pPr>
     </p:titleStyle>
     <p:bodyStyle>
-      <a:defPPr lvl="0" marR="0" rtl="0" algn="l">
+      <a:defPPr marR="0" lvl="0" algn="l" rtl="0">
         <a:lnSpc>
           <a:spcPct val="100000"/>
         </a:lnSpc>
@@ -5147,7 +5272,7 @@
           <a:spcPts val="0"/>
         </a:spcAft>
       </a:defPPr>
-      <a:lvl1pPr lvl="0" marR="0" rtl="0" algn="l">
+      <a:lvl1pPr marR="0" lvl="0" algn="l" rtl="0">
         <a:lnSpc>
           <a:spcPct val="100000"/>
         </a:lnSpc>
@@ -5161,7 +5286,7 @@
           <a:srgbClr val="000000"/>
         </a:buClr>
         <a:buFont typeface="Arial"/>
-        <a:defRPr b="0" i="0" sz="1400" u="none" cap="none" strike="noStrike">
+        <a:defRPr sz="1400" b="0" i="0" u="none" strike="noStrike" cap="none">
           <a:solidFill>
             <a:srgbClr val="000000"/>
           </a:solidFill>
@@ -5171,7 +5296,7 @@
           <a:sym typeface="Arial"/>
         </a:defRPr>
       </a:lvl1pPr>
-      <a:lvl2pPr lvl="1" marR="0" rtl="0" algn="l">
+      <a:lvl2pPr marR="0" lvl="1" algn="l" rtl="0">
         <a:lnSpc>
           <a:spcPct val="100000"/>
         </a:lnSpc>
@@ -5185,7 +5310,7 @@
           <a:srgbClr val="000000"/>
         </a:buClr>
         <a:buFont typeface="Arial"/>
-        <a:defRPr b="0" i="0" sz="1400" u="none" cap="none" strike="noStrike">
+        <a:defRPr sz="1400" b="0" i="0" u="none" strike="noStrike" cap="none">
           <a:solidFill>
             <a:srgbClr val="000000"/>
           </a:solidFill>
@@ -5195,7 +5320,7 @@
           <a:sym typeface="Arial"/>
         </a:defRPr>
       </a:lvl2pPr>
-      <a:lvl3pPr lvl="2" marR="0" rtl="0" algn="l">
+      <a:lvl3pPr marR="0" lvl="2" algn="l" rtl="0">
         <a:lnSpc>
           <a:spcPct val="100000"/>
         </a:lnSpc>
@@ -5209,7 +5334,7 @@
           <a:srgbClr val="000000"/>
         </a:buClr>
         <a:buFont typeface="Arial"/>
-        <a:defRPr b="0" i="0" sz="1400" u="none" cap="none" strike="noStrike">
+        <a:defRPr sz="1400" b="0" i="0" u="none" strike="noStrike" cap="none">
           <a:solidFill>
             <a:srgbClr val="000000"/>
           </a:solidFill>
@@ -5219,7 +5344,7 @@
           <a:sym typeface="Arial"/>
         </a:defRPr>
       </a:lvl3pPr>
-      <a:lvl4pPr lvl="3" marR="0" rtl="0" algn="l">
+      <a:lvl4pPr marR="0" lvl="3" algn="l" rtl="0">
         <a:lnSpc>
           <a:spcPct val="100000"/>
         </a:lnSpc>
@@ -5233,7 +5358,7 @@
           <a:srgbClr val="000000"/>
         </a:buClr>
         <a:buFont typeface="Arial"/>
-        <a:defRPr b="0" i="0" sz="1400" u="none" cap="none" strike="noStrike">
+        <a:defRPr sz="1400" b="0" i="0" u="none" strike="noStrike" cap="none">
           <a:solidFill>
             <a:srgbClr val="000000"/>
           </a:solidFill>
@@ -5243,7 +5368,7 @@
           <a:sym typeface="Arial"/>
         </a:defRPr>
       </a:lvl4pPr>
-      <a:lvl5pPr lvl="4" marR="0" rtl="0" algn="l">
+      <a:lvl5pPr marR="0" lvl="4" algn="l" rtl="0">
         <a:lnSpc>
           <a:spcPct val="100000"/>
         </a:lnSpc>
@@ -5257,7 +5382,7 @@
           <a:srgbClr val="000000"/>
         </a:buClr>
         <a:buFont typeface="Arial"/>
-        <a:defRPr b="0" i="0" sz="1400" u="none" cap="none" strike="noStrike">
+        <a:defRPr sz="1400" b="0" i="0" u="none" strike="noStrike" cap="none">
           <a:solidFill>
             <a:srgbClr val="000000"/>
           </a:solidFill>
@@ -5267,7 +5392,7 @@
           <a:sym typeface="Arial"/>
         </a:defRPr>
       </a:lvl5pPr>
-      <a:lvl6pPr lvl="5" marR="0" rtl="0" algn="l">
+      <a:lvl6pPr marR="0" lvl="5" algn="l" rtl="0">
         <a:lnSpc>
           <a:spcPct val="100000"/>
         </a:lnSpc>
@@ -5281,7 +5406,7 @@
           <a:srgbClr val="000000"/>
         </a:buClr>
         <a:buFont typeface="Arial"/>
-        <a:defRPr b="0" i="0" sz="1400" u="none" cap="none" strike="noStrike">
+        <a:defRPr sz="1400" b="0" i="0" u="none" strike="noStrike" cap="none">
           <a:solidFill>
             <a:srgbClr val="000000"/>
           </a:solidFill>
@@ -5291,7 +5416,7 @@
           <a:sym typeface="Arial"/>
         </a:defRPr>
       </a:lvl6pPr>
-      <a:lvl7pPr lvl="6" marR="0" rtl="0" algn="l">
+      <a:lvl7pPr marR="0" lvl="6" algn="l" rtl="0">
         <a:lnSpc>
           <a:spcPct val="100000"/>
         </a:lnSpc>
@@ -5305,7 +5430,7 @@
           <a:srgbClr val="000000"/>
         </a:buClr>
         <a:buFont typeface="Arial"/>
-        <a:defRPr b="0" i="0" sz="1400" u="none" cap="none" strike="noStrike">
+        <a:defRPr sz="1400" b="0" i="0" u="none" strike="noStrike" cap="none">
           <a:solidFill>
             <a:srgbClr val="000000"/>
           </a:solidFill>
@@ -5315,7 +5440,7 @@
           <a:sym typeface="Arial"/>
         </a:defRPr>
       </a:lvl7pPr>
-      <a:lvl8pPr lvl="7" marR="0" rtl="0" algn="l">
+      <a:lvl8pPr marR="0" lvl="7" algn="l" rtl="0">
         <a:lnSpc>
           <a:spcPct val="100000"/>
         </a:lnSpc>
@@ -5329,7 +5454,7 @@
           <a:srgbClr val="000000"/>
         </a:buClr>
         <a:buFont typeface="Arial"/>
-        <a:defRPr b="0" i="0" sz="1400" u="none" cap="none" strike="noStrike">
+        <a:defRPr sz="1400" b="0" i="0" u="none" strike="noStrike" cap="none">
           <a:solidFill>
             <a:srgbClr val="000000"/>
           </a:solidFill>
@@ -5339,7 +5464,7 @@
           <a:sym typeface="Arial"/>
         </a:defRPr>
       </a:lvl8pPr>
-      <a:lvl9pPr lvl="8" marR="0" rtl="0" algn="l">
+      <a:lvl9pPr marR="0" lvl="8" algn="l" rtl="0">
         <a:lnSpc>
           <a:spcPct val="100000"/>
         </a:lnSpc>
@@ -5353,7 +5478,7 @@
           <a:srgbClr val="000000"/>
         </a:buClr>
         <a:buFont typeface="Arial"/>
-        <a:defRPr b="0" i="0" sz="1400" u="none" cap="none" strike="noStrike">
+        <a:defRPr sz="1400" b="0" i="0" u="none" strike="noStrike" cap="none">
           <a:solidFill>
             <a:srgbClr val="000000"/>
           </a:solidFill>
@@ -5365,7 +5490,7 @@
       </a:lvl9pPr>
     </p:bodyStyle>
     <p:otherStyle>
-      <a:defPPr lvl="0" marR="0" rtl="0" algn="l">
+      <a:defPPr marR="0" lvl="0" algn="l" rtl="0">
         <a:lnSpc>
           <a:spcPct val="100000"/>
         </a:lnSpc>
@@ -5376,7 +5501,7 @@
           <a:spcPts val="0"/>
         </a:spcAft>
       </a:defPPr>
-      <a:lvl1pPr lvl="0" marR="0" rtl="0" algn="l">
+      <a:lvl1pPr marR="0" lvl="0" algn="l" rtl="0">
         <a:lnSpc>
           <a:spcPct val="100000"/>
         </a:lnSpc>
@@ -5390,7 +5515,7 @@
           <a:srgbClr val="000000"/>
         </a:buClr>
         <a:buFont typeface="Arial"/>
-        <a:defRPr b="0" i="0" sz="1400" u="none" cap="none" strike="noStrike">
+        <a:defRPr sz="1400" b="0" i="0" u="none" strike="noStrike" cap="none">
           <a:solidFill>
             <a:srgbClr val="000000"/>
           </a:solidFill>
@@ -5400,7 +5525,7 @@
           <a:sym typeface="Arial"/>
         </a:defRPr>
       </a:lvl1pPr>
-      <a:lvl2pPr lvl="1" marR="0" rtl="0" algn="l">
+      <a:lvl2pPr marR="0" lvl="1" algn="l" rtl="0">
         <a:lnSpc>
           <a:spcPct val="100000"/>
         </a:lnSpc>
@@ -5414,7 +5539,7 @@
           <a:srgbClr val="000000"/>
         </a:buClr>
         <a:buFont typeface="Arial"/>
-        <a:defRPr b="0" i="0" sz="1400" u="none" cap="none" strike="noStrike">
+        <a:defRPr sz="1400" b="0" i="0" u="none" strike="noStrike" cap="none">
           <a:solidFill>
             <a:srgbClr val="000000"/>
           </a:solidFill>
@@ -5424,7 +5549,7 @@
           <a:sym typeface="Arial"/>
         </a:defRPr>
       </a:lvl2pPr>
-      <a:lvl3pPr lvl="2" marR="0" rtl="0" algn="l">
+      <a:lvl3pPr marR="0" lvl="2" algn="l" rtl="0">
         <a:lnSpc>
           <a:spcPct val="100000"/>
         </a:lnSpc>
@@ -5438,7 +5563,7 @@
           <a:srgbClr val="000000"/>
         </a:buClr>
         <a:buFont typeface="Arial"/>
-        <a:defRPr b="0" i="0" sz="1400" u="none" cap="none" strike="noStrike">
+        <a:defRPr sz="1400" b="0" i="0" u="none" strike="noStrike" cap="none">
           <a:solidFill>
             <a:srgbClr val="000000"/>
           </a:solidFill>
@@ -5448,7 +5573,7 @@
           <a:sym typeface="Arial"/>
         </a:defRPr>
       </a:lvl3pPr>
-      <a:lvl4pPr lvl="3" marR="0" rtl="0" algn="l">
+      <a:lvl4pPr marR="0" lvl="3" algn="l" rtl="0">
         <a:lnSpc>
           <a:spcPct val="100000"/>
         </a:lnSpc>
@@ -5462,7 +5587,7 @@
           <a:srgbClr val="000000"/>
         </a:buClr>
         <a:buFont typeface="Arial"/>
-        <a:defRPr b="0" i="0" sz="1400" u="none" cap="none" strike="noStrike">
+        <a:defRPr sz="1400" b="0" i="0" u="none" strike="noStrike" cap="none">
           <a:solidFill>
             <a:srgbClr val="000000"/>
           </a:solidFill>
@@ -5472,7 +5597,7 @@
           <a:sym typeface="Arial"/>
         </a:defRPr>
       </a:lvl4pPr>
-      <a:lvl5pPr lvl="4" marR="0" rtl="0" algn="l">
+      <a:lvl5pPr marR="0" lvl="4" algn="l" rtl="0">
         <a:lnSpc>
           <a:spcPct val="100000"/>
         </a:lnSpc>
@@ -5486,7 +5611,7 @@
           <a:srgbClr val="000000"/>
         </a:buClr>
         <a:buFont typeface="Arial"/>
-        <a:defRPr b="0" i="0" sz="1400" u="none" cap="none" strike="noStrike">
+        <a:defRPr sz="1400" b="0" i="0" u="none" strike="noStrike" cap="none">
           <a:solidFill>
             <a:srgbClr val="000000"/>
           </a:solidFill>
@@ -5496,7 +5621,7 @@
           <a:sym typeface="Arial"/>
         </a:defRPr>
       </a:lvl5pPr>
-      <a:lvl6pPr lvl="5" marR="0" rtl="0" algn="l">
+      <a:lvl6pPr marR="0" lvl="5" algn="l" rtl="0">
         <a:lnSpc>
           <a:spcPct val="100000"/>
         </a:lnSpc>
@@ -5510,7 +5635,7 @@
           <a:srgbClr val="000000"/>
         </a:buClr>
         <a:buFont typeface="Arial"/>
-        <a:defRPr b="0" i="0" sz="1400" u="none" cap="none" strike="noStrike">
+        <a:defRPr sz="1400" b="0" i="0" u="none" strike="noStrike" cap="none">
           <a:solidFill>
             <a:srgbClr val="000000"/>
           </a:solidFill>
@@ -5520,7 +5645,7 @@
           <a:sym typeface="Arial"/>
         </a:defRPr>
       </a:lvl6pPr>
-      <a:lvl7pPr lvl="6" marR="0" rtl="0" algn="l">
+      <a:lvl7pPr marR="0" lvl="6" algn="l" rtl="0">
         <a:lnSpc>
           <a:spcPct val="100000"/>
         </a:lnSpc>
@@ -5534,7 +5659,7 @@
           <a:srgbClr val="000000"/>
         </a:buClr>
         <a:buFont typeface="Arial"/>
-        <a:defRPr b="0" i="0" sz="1400" u="none" cap="none" strike="noStrike">
+        <a:defRPr sz="1400" b="0" i="0" u="none" strike="noStrike" cap="none">
           <a:solidFill>
             <a:srgbClr val="000000"/>
           </a:solidFill>
@@ -5544,7 +5669,7 @@
           <a:sym typeface="Arial"/>
         </a:defRPr>
       </a:lvl7pPr>
-      <a:lvl8pPr lvl="7" marR="0" rtl="0" algn="l">
+      <a:lvl8pPr marR="0" lvl="7" algn="l" rtl="0">
         <a:lnSpc>
           <a:spcPct val="100000"/>
         </a:lnSpc>
@@ -5558,7 +5683,7 @@
           <a:srgbClr val="000000"/>
         </a:buClr>
         <a:buFont typeface="Arial"/>
-        <a:defRPr b="0" i="0" sz="1400" u="none" cap="none" strike="noStrike">
+        <a:defRPr sz="1400" b="0" i="0" u="none" strike="noStrike" cap="none">
           <a:solidFill>
             <a:srgbClr val="000000"/>
           </a:solidFill>
@@ -5568,7 +5693,7 @@
           <a:sym typeface="Arial"/>
         </a:defRPr>
       </a:lvl8pPr>
-      <a:lvl9pPr lvl="8" marR="0" rtl="0" algn="l">
+      <a:lvl9pPr marR="0" lvl="8" algn="l" rtl="0">
         <a:lnSpc>
           <a:spcPct val="100000"/>
         </a:lnSpc>
@@ -5582,7 +5707,7 @@
           <a:srgbClr val="000000"/>
         </a:buClr>
         <a:buFont typeface="Arial"/>
-        <a:defRPr b="0" i="0" sz="1400" u="none" cap="none" strike="noStrike">
+        <a:defRPr sz="1400" b="0" i="0" u="none" strike="noStrike" cap="none">
           <a:solidFill>
             <a:srgbClr val="000000"/>
           </a:solidFill>
@@ -5598,11 +5723,11 @@
 </file>
 
 <file path=ppt/slides/slide1.xml><?xml version="1.0" encoding="utf-8"?>
-<p:sld xmlns:a="http://schemas.openxmlformats.org/drawingml/2006/main" xmlns:r="http://schemas.openxmlformats.org/officeDocument/2006/relationships" xmlns:mc="http://schemas.openxmlformats.org/markup-compatibility/2006" xmlns:mv="urn:schemas-microsoft-com:mac:vml" xmlns:p="http://schemas.openxmlformats.org/presentationml/2006/main" xmlns:c="http://schemas.openxmlformats.org/drawingml/2006/chart" xmlns:dgm="http://schemas.openxmlformats.org/drawingml/2006/diagram" xmlns:o="urn:schemas-microsoft-com:office:office" xmlns:v="urn:schemas-microsoft-com:vml" xmlns:pvml="urn:schemas-microsoft-com:office:powerpoint" xmlns:com="http://schemas.openxmlformats.org/drawingml/2006/compatibility" xmlns:p14="http://schemas.microsoft.com/office/powerpoint/2010/main" xmlns:p15="http://schemas.microsoft.com/office/powerpoint/2012/main" xmlns:ahyp="http://schemas.microsoft.com/office/drawing/2018/hyperlinkcolor">
+<p:sld xmlns:a="http://schemas.openxmlformats.org/drawingml/2006/main" xmlns:r="http://schemas.openxmlformats.org/officeDocument/2006/relationships" xmlns:p="http://schemas.openxmlformats.org/presentationml/2006/main">
   <p:cSld>
     <p:spTree>
       <p:nvGrpSpPr>
-        <p:cNvPr id="53" name="Shape 53"/>
+        <p:cNvPr id="1" name="Shape 53"/>
         <p:cNvGrpSpPr/>
         <p:nvPr/>
       </p:nvGrpSpPr>
@@ -5617,7 +5742,9 @@
       <p:sp>
         <p:nvSpPr>
           <p:cNvPr id="54" name="Google Shape;54;p13"/>
-          <p:cNvSpPr txBox="1"/>
+          <p:cNvSpPr txBox="1">
+            <a:spLocks noGrp="1"/>
+          </p:cNvSpPr>
           <p:nvPr>
             <p:ph type="ctrTitle"/>
           </p:nvPr>
@@ -5632,12 +5759,12 @@
           </a:prstGeom>
         </p:spPr>
         <p:txBody>
-          <a:bodyPr anchorCtr="0" anchor="b" bIns="91425" lIns="91425" spcFirstLastPara="1" rIns="91425" wrap="square" tIns="91425">
+          <a:bodyPr spcFirstLastPara="1" wrap="square" lIns="91425" tIns="91425" rIns="91425" bIns="91425" anchor="b" anchorCtr="0">
             <a:noAutofit/>
           </a:bodyPr>
           <a:lstStyle/>
           <a:p>
-            <a:pPr indent="0" lvl="0" marL="0" rtl="0" algn="ctr">
+            <a:pPr marL="0" lvl="0" indent="0" algn="ctr" rtl="0">
               <a:spcBef>
                 <a:spcPts val="0"/>
               </a:spcBef>
@@ -5657,9 +5784,11 @@
       <p:sp>
         <p:nvSpPr>
           <p:cNvPr id="55" name="Google Shape;55;p13"/>
-          <p:cNvSpPr txBox="1"/>
+          <p:cNvSpPr txBox="1">
+            <a:spLocks noGrp="1"/>
+          </p:cNvSpPr>
           <p:nvPr>
-            <p:ph idx="1" type="subTitle"/>
+            <p:ph type="subTitle" idx="1"/>
           </p:nvPr>
         </p:nvSpPr>
         <p:spPr>
@@ -5672,12 +5801,12 @@
           </a:prstGeom>
         </p:spPr>
         <p:txBody>
-          <a:bodyPr anchorCtr="0" anchor="t" bIns="91425" lIns="91425" spcFirstLastPara="1" rIns="91425" wrap="square" tIns="91425">
+          <a:bodyPr spcFirstLastPara="1" wrap="square" lIns="91425" tIns="91425" rIns="91425" bIns="91425" anchor="t" anchorCtr="0">
             <a:noAutofit/>
           </a:bodyPr>
           <a:lstStyle/>
           <a:p>
-            <a:pPr indent="0" lvl="0" marL="0" rtl="0" algn="ctr">
+            <a:pPr marL="0" lvl="0" indent="0" algn="ctr" rtl="0">
               <a:spcBef>
                 <a:spcPts val="0"/>
               </a:spcBef>
@@ -5686,9 +5815,6 @@
               </a:spcAft>
               <a:buNone/>
             </a:pPr>
-            <a:r>
-              <a:t/>
-            </a:r>
             <a:endParaRPr/>
           </a:p>
         </p:txBody>
@@ -5702,11 +5828,11 @@
 </file>
 
 <file path=ppt/slides/slide2.xml><?xml version="1.0" encoding="utf-8"?>
-<p:sld xmlns:a="http://schemas.openxmlformats.org/drawingml/2006/main" xmlns:r="http://schemas.openxmlformats.org/officeDocument/2006/relationships" xmlns:mc="http://schemas.openxmlformats.org/markup-compatibility/2006" xmlns:mv="urn:schemas-microsoft-com:mac:vml" xmlns:p="http://schemas.openxmlformats.org/presentationml/2006/main" xmlns:c="http://schemas.openxmlformats.org/drawingml/2006/chart" xmlns:dgm="http://schemas.openxmlformats.org/drawingml/2006/diagram" xmlns:o="urn:schemas-microsoft-com:office:office" xmlns:v="urn:schemas-microsoft-com:vml" xmlns:pvml="urn:schemas-microsoft-com:office:powerpoint" xmlns:com="http://schemas.openxmlformats.org/drawingml/2006/compatibility" xmlns:p14="http://schemas.microsoft.com/office/powerpoint/2010/main" xmlns:p15="http://schemas.microsoft.com/office/powerpoint/2012/main" xmlns:ahyp="http://schemas.microsoft.com/office/drawing/2018/hyperlinkcolor">
+<p:sld xmlns:a="http://schemas.openxmlformats.org/drawingml/2006/main" xmlns:r="http://schemas.openxmlformats.org/officeDocument/2006/relationships" xmlns:p="http://schemas.openxmlformats.org/presentationml/2006/main">
   <p:cSld>
     <p:spTree>
       <p:nvGrpSpPr>
-        <p:cNvPr id="59" name="Shape 59"/>
+        <p:cNvPr id="1" name="Shape 59"/>
         <p:cNvGrpSpPr/>
         <p:nvPr/>
       </p:nvGrpSpPr>
@@ -5721,7 +5847,9 @@
       <p:sp>
         <p:nvSpPr>
           <p:cNvPr id="60" name="Google Shape;60;p14"/>
-          <p:cNvSpPr txBox="1"/>
+          <p:cNvSpPr txBox="1">
+            <a:spLocks noGrp="1"/>
+          </p:cNvSpPr>
           <p:nvPr>
             <p:ph type="title"/>
           </p:nvPr>
@@ -5736,12 +5864,12 @@
           </a:prstGeom>
         </p:spPr>
         <p:txBody>
-          <a:bodyPr anchorCtr="0" anchor="t" bIns="91425" lIns="91425" spcFirstLastPara="1" rIns="91425" wrap="square" tIns="91425">
+          <a:bodyPr spcFirstLastPara="1" wrap="square" lIns="91425" tIns="91425" rIns="91425" bIns="91425" anchor="t" anchorCtr="0">
             <a:noAutofit/>
           </a:bodyPr>
           <a:lstStyle/>
           <a:p>
-            <a:pPr indent="0" lvl="0" marL="0" rtl="0" algn="l">
+            <a:pPr marL="0" lvl="0" indent="0" algn="l" rtl="0">
               <a:spcBef>
                 <a:spcPts val="0"/>
               </a:spcBef>
@@ -5761,9 +5889,11 @@
       <p:sp>
         <p:nvSpPr>
           <p:cNvPr id="61" name="Google Shape;61;p14"/>
-          <p:cNvSpPr txBox="1"/>
+          <p:cNvSpPr txBox="1">
+            <a:spLocks noGrp="1"/>
+          </p:cNvSpPr>
           <p:nvPr>
-            <p:ph idx="1" type="body"/>
+            <p:ph type="body" idx="1"/>
           </p:nvPr>
         </p:nvSpPr>
         <p:spPr>
@@ -5776,12 +5906,12 @@
           </a:prstGeom>
         </p:spPr>
         <p:txBody>
-          <a:bodyPr anchorCtr="0" anchor="t" bIns="91425" lIns="91425" spcFirstLastPara="1" rIns="91425" wrap="square" tIns="91425">
+          <a:bodyPr spcFirstLastPara="1" wrap="square" lIns="91425" tIns="91425" rIns="91425" bIns="91425" anchor="t" anchorCtr="0">
             <a:noAutofit/>
           </a:bodyPr>
           <a:lstStyle/>
           <a:p>
-            <a:pPr indent="0" lvl="0" marL="0" rtl="0" algn="l">
+            <a:pPr marL="0" lvl="0" indent="0" algn="l" rtl="0">
               <a:spcBef>
                 <a:spcPts val="0"/>
               </a:spcBef>
@@ -5791,68 +5921,68 @@
               <a:buNone/>
             </a:pPr>
             <a:r>
+              <a:rPr lang="en" dirty="0"/>
+              <a:t>server {</a:t>
+            </a:r>
+            <a:br>
+              <a:rPr lang="en" dirty="0"/>
+            </a:br>
+            <a:r>
+              <a:rPr lang="en" dirty="0"/>
+              <a:t>	</a:t>
+            </a:r>
+            <a:r>
+              <a:rPr lang="en" b="1" dirty="0"/>
+              <a:t>location</a:t>
+            </a:r>
+            <a:r>
+              <a:rPr lang="en" dirty="0"/>
+              <a:t> [modifier] </a:t>
+            </a:r>
+            <a:r>
+              <a:rPr lang="en" dirty="0" err="1"/>
+              <a:t>location_definition</a:t>
+            </a:r>
+            <a:r>
+              <a:rPr lang="en" dirty="0"/>
+              <a:t> {</a:t>
+            </a:r>
+            <a:br>
+              <a:rPr lang="en" dirty="0"/>
+            </a:br>
+            <a:r>
+              <a:rPr lang="en" dirty="0"/>
+              <a:t>		…</a:t>
+            </a:r>
+            <a:br>
+              <a:rPr lang="en" dirty="0"/>
+            </a:br>
+            <a:r>
+              <a:rPr lang="en" dirty="0"/>
+              <a:t>		</a:t>
+            </a:r>
+            <a:r>
+              <a:rPr lang="en" b="1" dirty="0"/>
+              <a:t>location</a:t>
+            </a:r>
+            <a:r>
+              <a:rPr lang="en" dirty="0"/>
+              <a:t> [modifier] </a:t>
+            </a:r>
+            <a:r>
+              <a:rPr lang="en" dirty="0" err="1"/>
+              <a:t>location_definition</a:t>
+            </a:r>
+            <a:r>
               <a:rPr lang="en"/>
-              <a:t>server {</a:t>
+              <a:t> {</a:t>
             </a:r>
             <a:br>
               <a:rPr lang="en"/>
             </a:br>
             <a:r>
               <a:rPr lang="en"/>
-              <a:t>	</a:t>
-            </a:r>
-            <a:r>
-              <a:rPr b="1" lang="en"/>
-              <a:t>location</a:t>
-            </a:r>
-            <a:r>
-              <a:rPr lang="en"/>
-              <a:t> [modifier] location_definition {</a:t>
-            </a:r>
-            <a:br>
-              <a:rPr lang="en"/>
-            </a:br>
-            <a:r>
-              <a:rPr lang="en"/>
-              <a:t>		…</a:t>
-            </a:r>
-            <a:br>
-              <a:rPr lang="en"/>
-            </a:br>
-            <a:r>
-              <a:rPr lang="en"/>
-              <a:t>		</a:t>
-            </a:r>
-            <a:r>
-              <a:rPr b="1" lang="en"/>
-              <a:t>l</a:t>
-            </a:r>
-            <a:r>
-              <a:rPr b="1" lang="en"/>
-              <a:t>ocation</a:t>
-            </a:r>
-            <a:r>
-              <a:rPr lang="en"/>
-              <a:t> </a:t>
-            </a:r>
-            <a:r>
-              <a:rPr lang="en"/>
-              <a:t>[modifier] location_definition </a:t>
-            </a:r>
-            <a:r>
-              <a:rPr lang="en"/>
-              <a:t>{</a:t>
-            </a:r>
-            <a:br>
-              <a:rPr lang="en"/>
-            </a:br>
-            <a:r>
-              <a:rPr lang="en"/>
-              <a:t>              </a:t>
-            </a:r>
-            <a:r>
-              <a:rPr lang="en"/>
-              <a:t>}</a:t>
+              <a:t>              		}</a:t>
             </a:r>
             <a:br>
               <a:rPr lang="en"/>
@@ -5871,7 +6001,7 @@
             <a:br>
               <a:rPr lang="en"/>
             </a:br>
-            <a:endParaRPr/>
+            <a:endParaRPr dirty="0"/>
           </a:p>
         </p:txBody>
       </p:sp>
@@ -5884,7 +6014,7 @@
 </file>
 
 <file path=ppt/theme/theme1.xml><?xml version="1.0" encoding="utf-8"?>
-<a:theme xmlns:a="http://schemas.openxmlformats.org/drawingml/2006/main" xmlns:r="http://schemas.openxmlformats.org/officeDocument/2006/relationships" name="Simple Dark">
+<a:theme xmlns:a="http://schemas.openxmlformats.org/drawingml/2006/main" name="Simple Dark">
   <a:themeElements>
     <a:clrScheme name="Simple Dark">
       <a:dk1>
@@ -6159,11 +6289,13 @@
       </a:bgFillStyleLst>
     </a:fmtScheme>
   </a:themeElements>
+  <a:objectDefaults/>
+  <a:extraClrSchemeLst/>
 </a:theme>
 </file>
 
 <file path=ppt/theme/theme2.xml><?xml version="1.0" encoding="utf-8"?>
-<a:theme xmlns:a="http://schemas.openxmlformats.org/drawingml/2006/main" xmlns:r="http://schemas.openxmlformats.org/officeDocument/2006/relationships">
+<a:theme xmlns:a="http://schemas.openxmlformats.org/drawingml/2006/main">
   <a:themeElements>
     <a:clrScheme name="Default">
       <a:dk1>
@@ -6438,5 +6570,7 @@
       </a:bgFillStyleLst>
     </a:fmtScheme>
   </a:themeElements>
+  <a:objectDefaults/>
+  <a:extraClrSchemeLst/>
 </a:theme>
 </file>